--- a/Presentation_Hazira.pptx
+++ b/Presentation_Hazira.pptx
@@ -6,6 +6,7 @@
   </p:sldMasterIdLst>
   <p:sldIdLst>
     <p:sldId id="256" r:id="rId2"/>
+    <p:sldId id="257" r:id="rId3"/>
   </p:sldIdLst>
   <p:sldSz cx="12192000" cy="6858000"/>
   <p:notesSz cx="6858000" cy="9144000"/>
@@ -3860,6 +3861,123 @@
 </p:sld>
 </file>
 
+<file path=ppt/slides/slide2.xml><?xml version="1.0" encoding="utf-8"?>
+<p:sld xmlns:a="http://schemas.openxmlformats.org/drawingml/2006/main" xmlns:r="http://schemas.openxmlformats.org/officeDocument/2006/relationships" xmlns:p="http://schemas.openxmlformats.org/presentationml/2006/main">
+  <p:cSld>
+    <p:spTree>
+      <p:nvGrpSpPr>
+        <p:cNvPr id="1" name=""/>
+        <p:cNvGrpSpPr/>
+        <p:nvPr/>
+      </p:nvGrpSpPr>
+      <p:grpSpPr>
+        <a:xfrm>
+          <a:off x="0" y="0"/>
+          <a:ext cx="0" cy="0"/>
+          <a:chOff x="0" y="0"/>
+          <a:chExt cx="0" cy="0"/>
+        </a:xfrm>
+      </p:grpSpPr>
+      <p:sp>
+        <p:nvSpPr>
+          <p:cNvPr id="2" name="Title 1">
+            <a:extLst>
+              <a:ext uri="{FF2B5EF4-FFF2-40B4-BE49-F238E27FC236}">
+                <a16:creationId xmlns:a16="http://schemas.microsoft.com/office/drawing/2014/main" id="{D2F8FA97-F047-CE9F-C550-990F12358608}"/>
+              </a:ext>
+            </a:extLst>
+          </p:cNvPr>
+          <p:cNvSpPr>
+            <a:spLocks noGrp="1"/>
+          </p:cNvSpPr>
+          <p:nvPr>
+            <p:ph type="title"/>
+          </p:nvPr>
+        </p:nvSpPr>
+        <p:spPr/>
+        <p:txBody>
+          <a:bodyPr>
+            <a:normAutofit fontScale="90000"/>
+          </a:bodyPr>
+          <a:lstStyle/>
+          <a:p>
+            <a:r>
+              <a:rPr lang="en-US" dirty="0"/>
+              <a:t>Hazira Port</a:t>
+            </a:r>
+            <a:br>
+              <a:rPr lang="en-US" dirty="0"/>
+            </a:br>
+            <a:r>
+              <a:rPr lang="en-US" sz="3600" i="1" dirty="0"/>
+              <a:t>liquefied natural gas terminal 20 miles south of Surat</a:t>
+            </a:r>
+            <a:endParaRPr lang="en-US" i="1" dirty="0"/>
+          </a:p>
+        </p:txBody>
+      </p:sp>
+      <p:sp>
+        <p:nvSpPr>
+          <p:cNvPr id="3" name="Content Placeholder 2">
+            <a:extLst>
+              <a:ext uri="{FF2B5EF4-FFF2-40B4-BE49-F238E27FC236}">
+                <a16:creationId xmlns:a16="http://schemas.microsoft.com/office/drawing/2014/main" id="{222D32DB-4E2D-1072-4BEA-77D0AE3DE015}"/>
+              </a:ext>
+            </a:extLst>
+          </p:cNvPr>
+          <p:cNvSpPr>
+            <a:spLocks noGrp="1"/>
+          </p:cNvSpPr>
+          <p:nvPr>
+            <p:ph idx="1"/>
+          </p:nvPr>
+        </p:nvSpPr>
+        <p:spPr/>
+        <p:txBody>
+          <a:bodyPr/>
+          <a:lstStyle/>
+          <a:p>
+            <a:r>
+              <a:rPr lang="en-US" dirty="0"/>
+              <a:t>6 berths</a:t>
+            </a:r>
+          </a:p>
+          <a:p>
+            <a:pPr lvl="1"/>
+            <a:r>
+              <a:rPr lang="en-US" dirty="0"/>
+              <a:t>4 multipurpose</a:t>
+            </a:r>
+          </a:p>
+          <a:p>
+            <a:pPr lvl="1"/>
+            <a:r>
+              <a:rPr lang="en-US" dirty="0"/>
+              <a:t>2 container</a:t>
+            </a:r>
+          </a:p>
+          <a:p>
+            <a:r>
+              <a:rPr lang="en-US" dirty="0" err="1"/>
+              <a:t>asdfasdf</a:t>
+            </a:r>
+            <a:endParaRPr lang="en-US" dirty="0"/>
+          </a:p>
+        </p:txBody>
+      </p:sp>
+    </p:spTree>
+    <p:extLst>
+      <p:ext uri="{BB962C8B-B14F-4D97-AF65-F5344CB8AC3E}">
+        <p14:creationId xmlns:p14="http://schemas.microsoft.com/office/powerpoint/2010/main" val="3392617817"/>
+      </p:ext>
+    </p:extLst>
+  </p:cSld>
+  <p:clrMapOvr>
+    <a:masterClrMapping/>
+  </p:clrMapOvr>
+</p:sld>
+</file>
+
 <file path=ppt/theme/theme1.xml><?xml version="1.0" encoding="utf-8"?>
 <a:theme xmlns:a="http://schemas.openxmlformats.org/drawingml/2006/main" name="Crop">
   <a:themeElements>

--- a/Presentation_Hazira.pptx
+++ b/Presentation_Hazira.pptx
@@ -7,6 +7,15 @@
   <p:sldIdLst>
     <p:sldId id="256" r:id="rId2"/>
     <p:sldId id="257" r:id="rId3"/>
+    <p:sldId id="258" r:id="rId4"/>
+    <p:sldId id="259" r:id="rId5"/>
+    <p:sldId id="260" r:id="rId6"/>
+    <p:sldId id="261" r:id="rId7"/>
+    <p:sldId id="263" r:id="rId8"/>
+    <p:sldId id="264" r:id="rId9"/>
+    <p:sldId id="265" r:id="rId10"/>
+    <p:sldId id="266" r:id="rId11"/>
+    <p:sldId id="267" r:id="rId12"/>
   </p:sldIdLst>
   <p:sldSz cx="12192000" cy="6858000"/>
   <p:notesSz cx="6858000" cy="9144000"/>
@@ -487,6 +496,18 @@
   <p:clrMapOvr>
     <a:overrideClrMapping bg1="lt1" tx1="dk1" bg2="lt2" tx2="dk2" accent1="accent1" accent2="accent2" accent3="accent3" accent4="accent4" accent5="accent5" accent6="accent6" hlink="hlink" folHlink="folHlink"/>
   </p:clrMapOvr>
+  <mc:AlternateContent xmlns:mc="http://schemas.openxmlformats.org/markup-compatibility/2006">
+    <mc:Choice xmlns:p159="http://schemas.microsoft.com/office/powerpoint/2015/09/main" Requires="p159">
+      <p:transition xmlns:p14="http://schemas.microsoft.com/office/powerpoint/2010/main" spd="slow" p14:dur="2000">
+        <p159:morph option="byObject"/>
+      </p:transition>
+    </mc:Choice>
+    <mc:Fallback>
+      <p:transition spd="slow">
+        <p:fade/>
+      </p:transition>
+    </mc:Fallback>
+  </mc:AlternateContent>
 </p:sldLayout>
 </file>
 
@@ -657,6 +678,18 @@
   <p:clrMapOvr>
     <a:masterClrMapping/>
   </p:clrMapOvr>
+  <mc:AlternateContent xmlns:mc="http://schemas.openxmlformats.org/markup-compatibility/2006">
+    <mc:Choice xmlns:p159="http://schemas.microsoft.com/office/powerpoint/2015/09/main" Requires="p159">
+      <p:transition xmlns:p14="http://schemas.microsoft.com/office/powerpoint/2010/main" spd="slow" p14:dur="2000">
+        <p159:morph option="byObject"/>
+      </p:transition>
+    </mc:Choice>
+    <mc:Fallback>
+      <p:transition spd="slow">
+        <p:fade/>
+      </p:transition>
+    </mc:Fallback>
+  </mc:AlternateContent>
 </p:sldLayout>
 </file>
 
@@ -832,6 +865,18 @@
   <p:clrMapOvr>
     <a:masterClrMapping/>
   </p:clrMapOvr>
+  <mc:AlternateContent xmlns:mc="http://schemas.openxmlformats.org/markup-compatibility/2006">
+    <mc:Choice xmlns:p159="http://schemas.microsoft.com/office/powerpoint/2015/09/main" Requires="p159">
+      <p:transition xmlns:p14="http://schemas.microsoft.com/office/powerpoint/2010/main" spd="slow" p14:dur="2000">
+        <p159:morph option="byObject"/>
+      </p:transition>
+    </mc:Choice>
+    <mc:Fallback>
+      <p:transition spd="slow">
+        <p:fade/>
+      </p:transition>
+    </mc:Fallback>
+  </mc:AlternateContent>
 </p:sldLayout>
 </file>
 
@@ -997,6 +1042,18 @@
   <p:clrMapOvr>
     <a:masterClrMapping/>
   </p:clrMapOvr>
+  <mc:AlternateContent xmlns:mc="http://schemas.openxmlformats.org/markup-compatibility/2006">
+    <mc:Choice xmlns:p159="http://schemas.microsoft.com/office/powerpoint/2015/09/main" Requires="p159">
+      <p:transition xmlns:p14="http://schemas.microsoft.com/office/powerpoint/2010/main" spd="slow" p14:dur="2000">
+        <p159:morph option="byObject"/>
+      </p:transition>
+    </mc:Choice>
+    <mc:Fallback>
+      <p:transition spd="slow">
+        <p:fade/>
+      </p:transition>
+    </mc:Fallback>
+  </mc:AlternateContent>
 </p:sldLayout>
 </file>
 
@@ -1353,6 +1410,18 @@
   <p:clrMapOvr>
     <a:overrideClrMapping bg1="dk1" tx1="lt1" bg2="dk2" tx2="lt2" accent1="accent1" accent2="accent2" accent3="accent3" accent4="accent4" accent5="accent5" accent6="accent6" hlink="hlink" folHlink="folHlink"/>
   </p:clrMapOvr>
+  <mc:AlternateContent xmlns:mc="http://schemas.openxmlformats.org/markup-compatibility/2006">
+    <mc:Choice xmlns:p159="http://schemas.microsoft.com/office/powerpoint/2015/09/main" Requires="p159">
+      <p:transition xmlns:p14="http://schemas.microsoft.com/office/powerpoint/2010/main" spd="slow" p14:dur="2000">
+        <p159:morph option="byObject"/>
+      </p:transition>
+    </mc:Choice>
+    <mc:Fallback>
+      <p:transition spd="slow">
+        <p:fade/>
+      </p:transition>
+    </mc:Fallback>
+  </mc:AlternateContent>
 </p:sldLayout>
 </file>
 
@@ -1660,6 +1729,18 @@
   <p:clrMapOvr>
     <a:masterClrMapping/>
   </p:clrMapOvr>
+  <mc:AlternateContent xmlns:mc="http://schemas.openxmlformats.org/markup-compatibility/2006">
+    <mc:Choice xmlns:p159="http://schemas.microsoft.com/office/powerpoint/2015/09/main" Requires="p159">
+      <p:transition xmlns:p14="http://schemas.microsoft.com/office/powerpoint/2010/main" spd="slow" p14:dur="2000">
+        <p159:morph option="byObject"/>
+      </p:transition>
+    </mc:Choice>
+    <mc:Fallback>
+      <p:transition spd="slow">
+        <p:fade/>
+      </p:transition>
+    </mc:Fallback>
+  </mc:AlternateContent>
 </p:sldLayout>
 </file>
 
@@ -2132,6 +2213,18 @@
   <p:clrMapOvr>
     <a:masterClrMapping/>
   </p:clrMapOvr>
+  <mc:AlternateContent xmlns:mc="http://schemas.openxmlformats.org/markup-compatibility/2006">
+    <mc:Choice xmlns:p159="http://schemas.microsoft.com/office/powerpoint/2015/09/main" Requires="p159">
+      <p:transition xmlns:p14="http://schemas.microsoft.com/office/powerpoint/2010/main" spd="slow" p14:dur="2000">
+        <p159:morph option="byObject"/>
+      </p:transition>
+    </mc:Choice>
+    <mc:Fallback>
+      <p:transition spd="slow">
+        <p:fade/>
+      </p:transition>
+    </mc:Fallback>
+  </mc:AlternateContent>
 </p:sldLayout>
 </file>
 
@@ -2245,6 +2338,18 @@
   <p:clrMapOvr>
     <a:masterClrMapping/>
   </p:clrMapOvr>
+  <mc:AlternateContent xmlns:mc="http://schemas.openxmlformats.org/markup-compatibility/2006">
+    <mc:Choice xmlns:p159="http://schemas.microsoft.com/office/powerpoint/2015/09/main" Requires="p159">
+      <p:transition xmlns:p14="http://schemas.microsoft.com/office/powerpoint/2010/main" spd="slow" p14:dur="2000">
+        <p159:morph option="byObject"/>
+      </p:transition>
+    </mc:Choice>
+    <mc:Fallback>
+      <p:transition spd="slow">
+        <p:fade/>
+      </p:transition>
+    </mc:Fallback>
+  </mc:AlternateContent>
 </p:sldLayout>
 </file>
 
@@ -2335,6 +2440,18 @@
   <p:clrMapOvr>
     <a:masterClrMapping/>
   </p:clrMapOvr>
+  <mc:AlternateContent xmlns:mc="http://schemas.openxmlformats.org/markup-compatibility/2006">
+    <mc:Choice xmlns:p159="http://schemas.microsoft.com/office/powerpoint/2015/09/main" Requires="p159">
+      <p:transition xmlns:p14="http://schemas.microsoft.com/office/powerpoint/2010/main" spd="slow" p14:dur="2000">
+        <p159:morph option="byObject"/>
+      </p:transition>
+    </mc:Choice>
+    <mc:Fallback>
+      <p:transition spd="slow">
+        <p:fade/>
+      </p:transition>
+    </mc:Fallback>
+  </mc:AlternateContent>
 </p:sldLayout>
 </file>
 
@@ -2742,6 +2859,18 @@
   <p:clrMapOvr>
     <a:masterClrMapping/>
   </p:clrMapOvr>
+  <mc:AlternateContent xmlns:mc="http://schemas.openxmlformats.org/markup-compatibility/2006">
+    <mc:Choice xmlns:p159="http://schemas.microsoft.com/office/powerpoint/2015/09/main" Requires="p159">
+      <p:transition xmlns:p14="http://schemas.microsoft.com/office/powerpoint/2010/main" spd="slow" p14:dur="2000">
+        <p159:morph option="byObject"/>
+      </p:transition>
+    </mc:Choice>
+    <mc:Fallback>
+      <p:transition spd="slow">
+        <p:fade/>
+      </p:transition>
+    </mc:Fallback>
+  </mc:AlternateContent>
 </p:sldLayout>
 </file>
 
@@ -3127,6 +3256,18 @@
   <p:clrMapOvr>
     <a:masterClrMapping/>
   </p:clrMapOvr>
+  <mc:AlternateContent xmlns:mc="http://schemas.openxmlformats.org/markup-compatibility/2006">
+    <mc:Choice xmlns:p159="http://schemas.microsoft.com/office/powerpoint/2015/09/main" Requires="p159">
+      <p:transition xmlns:p14="http://schemas.microsoft.com/office/powerpoint/2010/main" spd="slow" p14:dur="2000">
+        <p159:morph option="byObject"/>
+      </p:transition>
+    </mc:Choice>
+    <mc:Fallback>
+      <p:transition spd="slow">
+        <p:fade/>
+      </p:transition>
+    </mc:Fallback>
+  </mc:AlternateContent>
 </p:sldLayout>
 </file>
 
@@ -3419,6 +3560,18 @@
     <p:sldLayoutId id="2147483658" r:id="rId10"/>
     <p:sldLayoutId id="2147483659" r:id="rId11"/>
   </p:sldLayoutIdLst>
+  <mc:AlternateContent xmlns:mc="http://schemas.openxmlformats.org/markup-compatibility/2006">
+    <mc:Choice xmlns:p159="http://schemas.microsoft.com/office/powerpoint/2015/09/main" Requires="p159">
+      <p:transition xmlns:p14="http://schemas.microsoft.com/office/powerpoint/2010/main" spd="slow" p14:dur="2000">
+        <p159:morph option="byObject"/>
+      </p:transition>
+    </mc:Choice>
+    <mc:Fallback>
+      <p:transition spd="slow">
+        <p:fade/>
+      </p:transition>
+    </mc:Fallback>
+  </mc:AlternateContent>
   <p:txStyles>
     <p:titleStyle>
       <a:lvl1pPr algn="l" defTabSz="914400" rtl="0" eaLnBrk="1" latinLnBrk="0" hangingPunct="1">
@@ -3858,6 +4011,280 @@
   <p:clrMapOvr>
     <a:masterClrMapping/>
   </p:clrMapOvr>
+  <mc:AlternateContent xmlns:mc="http://schemas.openxmlformats.org/markup-compatibility/2006">
+    <mc:Choice xmlns:p159="http://schemas.microsoft.com/office/powerpoint/2015/09/main" Requires="p159">
+      <p:transition xmlns:p14="http://schemas.microsoft.com/office/powerpoint/2010/main" spd="slow" p14:dur="2000">
+        <p159:morph option="byObject"/>
+      </p:transition>
+    </mc:Choice>
+    <mc:Fallback>
+      <p:transition spd="slow">
+        <p:fade/>
+      </p:transition>
+    </mc:Fallback>
+  </mc:AlternateContent>
+</p:sld>
+</file>
+
+<file path=ppt/slides/slide10.xml><?xml version="1.0" encoding="utf-8"?>
+<p:sld xmlns:a="http://schemas.openxmlformats.org/drawingml/2006/main" xmlns:r="http://schemas.openxmlformats.org/officeDocument/2006/relationships" xmlns:p="http://schemas.openxmlformats.org/presentationml/2006/main">
+  <p:cSld>
+    <p:spTree>
+      <p:nvGrpSpPr>
+        <p:cNvPr id="1" name=""/>
+        <p:cNvGrpSpPr/>
+        <p:nvPr/>
+      </p:nvGrpSpPr>
+      <p:grpSpPr>
+        <a:xfrm>
+          <a:off x="0" y="0"/>
+          <a:ext cx="0" cy="0"/>
+          <a:chOff x="0" y="0"/>
+          <a:chExt cx="0" cy="0"/>
+        </a:xfrm>
+      </p:grpSpPr>
+      <p:sp>
+        <p:nvSpPr>
+          <p:cNvPr id="2" name="Title 1">
+            <a:extLst>
+              <a:ext uri="{FF2B5EF4-FFF2-40B4-BE49-F238E27FC236}">
+                <a16:creationId xmlns:a16="http://schemas.microsoft.com/office/drawing/2014/main" id="{7E38564F-A6D0-A251-98E5-91E2B9ADEF34}"/>
+              </a:ext>
+            </a:extLst>
+          </p:cNvPr>
+          <p:cNvSpPr>
+            <a:spLocks noGrp="1"/>
+          </p:cNvSpPr>
+          <p:nvPr>
+            <p:ph type="title"/>
+          </p:nvPr>
+        </p:nvSpPr>
+        <p:spPr/>
+        <p:txBody>
+          <a:bodyPr/>
+          <a:lstStyle/>
+          <a:p>
+            <a:r>
+              <a:rPr lang="en-US"/>
+              <a:t>Sensitivity Analysis</a:t>
+            </a:r>
+            <a:endParaRPr lang="en-US" dirty="0"/>
+          </a:p>
+        </p:txBody>
+      </p:sp>
+      <p:pic>
+        <p:nvPicPr>
+          <p:cNvPr id="6" name="Content Placeholder 5" descr="A graph with blue and red text&#10;&#10;AI-generated content may be incorrect.">
+            <a:extLst>
+              <a:ext uri="{FF2B5EF4-FFF2-40B4-BE49-F238E27FC236}">
+                <a16:creationId xmlns:a16="http://schemas.microsoft.com/office/drawing/2014/main" id="{2EEBCA88-8BFD-E433-DE5B-2962DBAECFBC}"/>
+              </a:ext>
+            </a:extLst>
+          </p:cNvPr>
+          <p:cNvPicPr>
+            <a:picLocks noGrp="1" noChangeAspect="1"/>
+          </p:cNvPicPr>
+          <p:nvPr>
+            <p:ph idx="1"/>
+          </p:nvPr>
+        </p:nvPicPr>
+        <p:blipFill>
+          <a:blip r:embed="rId2"/>
+          <a:stretch>
+            <a:fillRect/>
+          </a:stretch>
+        </p:blipFill>
+        <p:spPr>
+          <a:xfrm>
+            <a:off x="5805763" y="2331274"/>
+            <a:ext cx="6179977" cy="2686946"/>
+          </a:xfrm>
+        </p:spPr>
+      </p:pic>
+      <p:sp>
+        <p:nvSpPr>
+          <p:cNvPr id="4" name="Text Placeholder 3">
+            <a:extLst>
+              <a:ext uri="{FF2B5EF4-FFF2-40B4-BE49-F238E27FC236}">
+                <a16:creationId xmlns:a16="http://schemas.microsoft.com/office/drawing/2014/main" id="{2F0931FA-0605-9FB0-87E3-06E3B2C8F41C}"/>
+              </a:ext>
+            </a:extLst>
+          </p:cNvPr>
+          <p:cNvSpPr>
+            <a:spLocks noGrp="1"/>
+          </p:cNvSpPr>
+          <p:nvPr>
+            <p:ph type="body" sz="half" idx="2"/>
+          </p:nvPr>
+        </p:nvSpPr>
+        <p:spPr/>
+        <p:txBody>
+          <a:bodyPr>
+            <a:normAutofit lnSpcReduction="10000"/>
+          </a:bodyPr>
+          <a:lstStyle/>
+          <a:p>
+            <a:r>
+              <a:rPr lang="en-US"/>
+              <a:t>We allow for a change in the unit rate and a performance adjustment. In order to implement these changes:</a:t>
+            </a:r>
+          </a:p>
+          <a:p>
+            <a:pPr marL="285750" indent="-285750">
+              <a:buFont typeface="Arial" panose="020B0604020202020204" pitchFamily="34" charset="0"/>
+              <a:buChar char="•"/>
+            </a:pPr>
+            <a:r>
+              <a:rPr lang="en-US"/>
+              <a:t>we multiply the variable_cost_savings by the unit_rate_scalar </a:t>
+            </a:r>
+          </a:p>
+          <a:p>
+            <a:pPr marL="285750" indent="-285750">
+              <a:buFont typeface="Arial" panose="020B0604020202020204" pitchFamily="34" charset="0"/>
+              <a:buChar char="•"/>
+            </a:pPr>
+            <a:r>
+              <a:rPr lang="en-US"/>
+              <a:t>We also multiply by 1 + improvement_adj_pp</a:t>
+            </a:r>
+          </a:p>
+          <a:p>
+            <a:r>
+              <a:rPr lang="en-US"/>
+              <a:t>This suffices as a linear approximation to the simulated costs.</a:t>
+            </a:r>
+            <a:endParaRPr lang="en-US" dirty="0"/>
+          </a:p>
+        </p:txBody>
+      </p:sp>
+      <p:sp>
+        <p:nvSpPr>
+          <p:cNvPr id="7" name="TextBox 6">
+            <a:extLst>
+              <a:ext uri="{FF2B5EF4-FFF2-40B4-BE49-F238E27FC236}">
+                <a16:creationId xmlns:a16="http://schemas.microsoft.com/office/drawing/2014/main" id="{A159408D-1918-6A6C-CC4B-2798E28328A0}"/>
+              </a:ext>
+            </a:extLst>
+          </p:cNvPr>
+          <p:cNvSpPr txBox="1"/>
+          <p:nvPr/>
+        </p:nvSpPr>
+        <p:spPr>
+          <a:xfrm>
+            <a:off x="6762151" y="1764742"/>
+            <a:ext cx="4267200" cy="461665"/>
+          </a:xfrm>
+          <a:prstGeom prst="rect">
+            <a:avLst/>
+          </a:prstGeom>
+          <a:noFill/>
+        </p:spPr>
+        <p:txBody>
+          <a:bodyPr wrap="square" rtlCol="0">
+            <a:spAutoFit/>
+          </a:bodyPr>
+          <a:lstStyle/>
+          <a:p>
+            <a:r>
+              <a:rPr lang="en-US" sz="2400" dirty="0"/>
+              <a:t>Conservative Scenario Results</a:t>
+            </a:r>
+          </a:p>
+        </p:txBody>
+      </p:sp>
+    </p:spTree>
+    <p:extLst>
+      <p:ext uri="{BB962C8B-B14F-4D97-AF65-F5344CB8AC3E}">
+        <p14:creationId xmlns:p14="http://schemas.microsoft.com/office/powerpoint/2010/main" val="3772479412"/>
+      </p:ext>
+    </p:extLst>
+  </p:cSld>
+  <p:clrMapOvr>
+    <a:masterClrMapping/>
+  </p:clrMapOvr>
+  <mc:AlternateContent xmlns:mc="http://schemas.openxmlformats.org/markup-compatibility/2006">
+    <mc:Choice xmlns:p159="http://schemas.microsoft.com/office/powerpoint/2015/09/main" Requires="p159">
+      <p:transition xmlns:p14="http://schemas.microsoft.com/office/powerpoint/2010/main" spd="slow" p14:dur="2000">
+        <p159:morph option="byObject"/>
+      </p:transition>
+    </mc:Choice>
+    <mc:Fallback>
+      <p:transition spd="slow">
+        <p:fade/>
+      </p:transition>
+    </mc:Fallback>
+  </mc:AlternateContent>
+</p:sld>
+</file>
+
+<file path=ppt/slides/slide11.xml><?xml version="1.0" encoding="utf-8"?>
+<p:sld xmlns:a="http://schemas.openxmlformats.org/drawingml/2006/main" xmlns:r="http://schemas.openxmlformats.org/officeDocument/2006/relationships" xmlns:p="http://schemas.openxmlformats.org/presentationml/2006/main">
+  <p:cSld>
+    <p:spTree>
+      <p:nvGrpSpPr>
+        <p:cNvPr id="1" name=""/>
+        <p:cNvGrpSpPr/>
+        <p:nvPr/>
+      </p:nvGrpSpPr>
+      <p:grpSpPr>
+        <a:xfrm>
+          <a:off x="0" y="0"/>
+          <a:ext cx="0" cy="0"/>
+          <a:chOff x="0" y="0"/>
+          <a:chExt cx="0" cy="0"/>
+        </a:xfrm>
+      </p:grpSpPr>
+      <p:sp>
+        <p:nvSpPr>
+          <p:cNvPr id="2" name="Title 1">
+            <a:extLst>
+              <a:ext uri="{FF2B5EF4-FFF2-40B4-BE49-F238E27FC236}">
+                <a16:creationId xmlns:a16="http://schemas.microsoft.com/office/drawing/2014/main" id="{4DB65551-FDD4-C3A9-3B0F-B31E7339C086}"/>
+              </a:ext>
+            </a:extLst>
+          </p:cNvPr>
+          <p:cNvSpPr>
+            <a:spLocks noGrp="1"/>
+          </p:cNvSpPr>
+          <p:nvPr>
+            <p:ph type="ctrTitle"/>
+          </p:nvPr>
+        </p:nvSpPr>
+        <p:spPr/>
+        <p:txBody>
+          <a:bodyPr/>
+          <a:lstStyle/>
+          <a:p>
+            <a:r>
+              <a:rPr lang="en-US" dirty="0"/>
+              <a:t>Thank you</a:t>
+            </a:r>
+          </a:p>
+        </p:txBody>
+      </p:sp>
+    </p:spTree>
+    <p:extLst>
+      <p:ext uri="{BB962C8B-B14F-4D97-AF65-F5344CB8AC3E}">
+        <p14:creationId xmlns:p14="http://schemas.microsoft.com/office/powerpoint/2010/main" val="4168721179"/>
+      </p:ext>
+    </p:extLst>
+  </p:cSld>
+  <p:clrMapOvr>
+    <a:masterClrMapping/>
+  </p:clrMapOvr>
+  <mc:AlternateContent xmlns:mc="http://schemas.openxmlformats.org/markup-compatibility/2006">
+    <mc:Choice xmlns:p159="http://schemas.microsoft.com/office/powerpoint/2015/09/main" Requires="p159">
+      <p:transition xmlns:p14="http://schemas.microsoft.com/office/powerpoint/2010/main" spd="slow" p14:dur="2000">
+        <p159:morph option="byObject"/>
+      </p:transition>
+    </mc:Choice>
+    <mc:Fallback>
+      <p:transition spd="slow">
+        <p:fade/>
+      </p:transition>
+    </mc:Fallback>
+  </mc:AlternateContent>
 </p:sld>
 </file>
 
@@ -3958,13 +4385,61 @@
           </a:p>
           <a:p>
             <a:r>
-              <a:rPr lang="en-US" dirty="0" err="1"/>
-              <a:t>asdfasdf</a:t>
-            </a:r>
-            <a:endParaRPr lang="en-US" dirty="0"/>
-          </a:p>
-        </p:txBody>
-      </p:sp>
+              <a:rPr lang="en-US" dirty="0"/>
+              <a:t>32 acres of empty storage container</a:t>
+            </a:r>
+          </a:p>
+          <a:p>
+            <a:pPr lvl="1"/>
+            <a:r>
+              <a:rPr lang="en-US" dirty="0"/>
+              <a:t>Possible 10 acre expansion</a:t>
+            </a:r>
+          </a:p>
+          <a:p>
+            <a:r>
+              <a:rPr lang="en-US" dirty="0"/>
+              <a:t>Up to 120,000 TEU</a:t>
+            </a:r>
+          </a:p>
+        </p:txBody>
+      </p:sp>
+      <p:pic>
+        <p:nvPicPr>
+          <p:cNvPr id="4" name="Picture 3">
+            <a:extLst>
+              <a:ext uri="{FF2B5EF4-FFF2-40B4-BE49-F238E27FC236}">
+                <a16:creationId xmlns:a16="http://schemas.microsoft.com/office/drawing/2014/main" id="{A22C918B-D996-6B8A-9A53-EE229E8ECFDF}"/>
+              </a:ext>
+            </a:extLst>
+          </p:cNvPr>
+          <p:cNvPicPr>
+            <a:picLocks noChangeAspect="1"/>
+          </p:cNvPicPr>
+          <p:nvPr/>
+        </p:nvPicPr>
+        <p:blipFill>
+          <a:blip r:embed="rId2" cstate="print">
+            <a:extLst>
+              <a:ext uri="{28A0092B-C50C-407E-A947-70E740481C1C}">
+                <a14:useLocalDpi xmlns:a14="http://schemas.microsoft.com/office/drawing/2010/main" val="0"/>
+              </a:ext>
+            </a:extLst>
+          </a:blip>
+          <a:stretch>
+            <a:fillRect/>
+          </a:stretch>
+        </p:blipFill>
+        <p:spPr>
+          <a:xfrm>
+            <a:off x="6302375" y="2171700"/>
+            <a:ext cx="4670425" cy="3181350"/>
+          </a:xfrm>
+          <a:prstGeom prst="rect">
+            <a:avLst/>
+          </a:prstGeom>
+        </p:spPr>
+      </p:pic>
     </p:spTree>
     <p:extLst>
       <p:ext uri="{BB962C8B-B14F-4D97-AF65-F5344CB8AC3E}">
@@ -3975,6 +4450,3349 @@
   <p:clrMapOvr>
     <a:masterClrMapping/>
   </p:clrMapOvr>
+  <mc:AlternateContent xmlns:mc="http://schemas.openxmlformats.org/markup-compatibility/2006">
+    <mc:Choice xmlns:p159="http://schemas.microsoft.com/office/powerpoint/2015/09/main" Requires="p159">
+      <p:transition xmlns:p14="http://schemas.microsoft.com/office/powerpoint/2010/main" spd="slow" p14:dur="2000">
+        <p159:morph option="byObject"/>
+      </p:transition>
+    </mc:Choice>
+    <mc:Fallback>
+      <p:transition spd="slow">
+        <p:fade/>
+      </p:transition>
+    </mc:Fallback>
+  </mc:AlternateContent>
+</p:sld>
+</file>
+
+<file path=ppt/slides/slide3.xml><?xml version="1.0" encoding="utf-8"?>
+<p:sld xmlns:a="http://schemas.openxmlformats.org/drawingml/2006/main" xmlns:r="http://schemas.openxmlformats.org/officeDocument/2006/relationships" xmlns:p="http://schemas.openxmlformats.org/presentationml/2006/main">
+  <p:cSld>
+    <p:bg>
+      <p:bgPr>
+        <a:solidFill>
+          <a:schemeClr val="bg2"/>
+        </a:solidFill>
+        <a:effectLst/>
+      </p:bgPr>
+    </p:bg>
+    <p:spTree>
+      <p:nvGrpSpPr>
+        <p:cNvPr id="1" name=""/>
+        <p:cNvGrpSpPr/>
+        <p:nvPr/>
+      </p:nvGrpSpPr>
+      <p:grpSpPr>
+        <a:xfrm>
+          <a:off x="0" y="0"/>
+          <a:ext cx="0" cy="0"/>
+          <a:chOff x="0" y="0"/>
+          <a:chExt cx="0" cy="0"/>
+        </a:xfrm>
+      </p:grpSpPr>
+      <p:sp>
+        <p:nvSpPr>
+          <p:cNvPr id="20" name="Rectangle 19">
+            <a:extLst>
+              <a:ext uri="{FF2B5EF4-FFF2-40B4-BE49-F238E27FC236}">
+                <a16:creationId xmlns:a16="http://schemas.microsoft.com/office/drawing/2014/main" id="{2793B903-AB42-42A0-AE97-93D366679CA2}"/>
+              </a:ext>
+              <a:ext uri="{C183D7F6-B498-43B3-948B-1728B52AA6E4}">
+                <adec:decorative xmlns:adec="http://schemas.microsoft.com/office/drawing/2017/decorative" val="1"/>
+              </a:ext>
+            </a:extLst>
+          </p:cNvPr>
+          <p:cNvSpPr>
+            <a:spLocks noGrp="1" noRot="1" noChangeAspect="1" noMove="1" noResize="1" noEditPoints="1" noAdjustHandles="1" noChangeArrowheads="1" noChangeShapeType="1" noTextEdit="1"/>
+          </p:cNvSpPr>
+          <p:nvPr>
+            <p:extLst>
+              <p:ext uri="{386F3935-93C4-4BCD-93E2-E3B085C9AB24}">
+                <p16:designElem xmlns:p16="http://schemas.microsoft.com/office/powerpoint/2015/main" val="1"/>
+              </p:ext>
+            </p:extLst>
+          </p:nvPr>
+        </p:nvSpPr>
+        <p:spPr>
+          <a:xfrm>
+            <a:off x="478095" y="376"/>
+            <a:ext cx="228600" cy="6858000"/>
+          </a:xfrm>
+          <a:prstGeom prst="rect">
+            <a:avLst/>
+          </a:prstGeom>
+          <a:solidFill>
+            <a:schemeClr val="tx2"/>
+          </a:solidFill>
+          <a:ln>
+            <a:noFill/>
+          </a:ln>
+        </p:spPr>
+        <p:style>
+          <a:lnRef idx="2">
+            <a:schemeClr val="accent1">
+              <a:shade val="50000"/>
+            </a:schemeClr>
+          </a:lnRef>
+          <a:fillRef idx="1">
+            <a:schemeClr val="accent1"/>
+          </a:fillRef>
+          <a:effectRef idx="0">
+            <a:schemeClr val="accent1"/>
+          </a:effectRef>
+          <a:fontRef idx="minor">
+            <a:schemeClr val="lt1"/>
+          </a:fontRef>
+        </p:style>
+        <p:txBody>
+          <a:bodyPr/>
+          <a:lstStyle/>
+          <a:p>
+            <a:endParaRPr lang="en-US"/>
+          </a:p>
+        </p:txBody>
+      </p:sp>
+      <p:sp>
+        <p:nvSpPr>
+          <p:cNvPr id="2" name="Title 1">
+            <a:extLst>
+              <a:ext uri="{FF2B5EF4-FFF2-40B4-BE49-F238E27FC236}">
+                <a16:creationId xmlns:a16="http://schemas.microsoft.com/office/drawing/2014/main" id="{C99B35B1-919B-9EA1-D462-8A19F4AF6228}"/>
+              </a:ext>
+            </a:extLst>
+          </p:cNvPr>
+          <p:cNvSpPr>
+            <a:spLocks noGrp="1"/>
+          </p:cNvSpPr>
+          <p:nvPr>
+            <p:ph type="title"/>
+          </p:nvPr>
+        </p:nvSpPr>
+        <p:spPr>
+          <a:xfrm>
+            <a:off x="1371600" y="685800"/>
+            <a:ext cx="3282695" cy="1485900"/>
+          </a:xfrm>
+        </p:spPr>
+        <p:txBody>
+          <a:bodyPr vert="horz" lIns="91440" tIns="45720" rIns="91440" bIns="45720" rtlCol="0" anchor="t">
+            <a:normAutofit/>
+          </a:bodyPr>
+          <a:lstStyle/>
+          <a:p>
+            <a:r>
+              <a:rPr lang="en-US" sz="3400"/>
+              <a:t>Hazira Port – Analysis</a:t>
+            </a:r>
+            <a:br>
+              <a:rPr lang="en-US" sz="3400"/>
+            </a:br>
+            <a:endParaRPr lang="en-US" sz="3400"/>
+          </a:p>
+        </p:txBody>
+      </p:sp>
+      <p:sp>
+        <p:nvSpPr>
+          <p:cNvPr id="15" name="TextBox 14">
+            <a:extLst>
+              <a:ext uri="{FF2B5EF4-FFF2-40B4-BE49-F238E27FC236}">
+                <a16:creationId xmlns:a16="http://schemas.microsoft.com/office/drawing/2014/main" id="{B50C5A42-DB1B-E508-E5A7-10E0214F4AFF}"/>
+              </a:ext>
+            </a:extLst>
+          </p:cNvPr>
+          <p:cNvSpPr txBox="1"/>
+          <p:nvPr/>
+        </p:nvSpPr>
+        <p:spPr>
+          <a:xfrm>
+            <a:off x="1371600" y="2286000"/>
+            <a:ext cx="3282694" cy="3581400"/>
+          </a:xfrm>
+          <a:prstGeom prst="rect">
+            <a:avLst/>
+          </a:prstGeom>
+        </p:spPr>
+        <p:txBody>
+          <a:bodyPr vert="horz" lIns="91440" tIns="45720" rIns="91440" bIns="45720" rtlCol="0">
+            <a:normAutofit/>
+          </a:bodyPr>
+          <a:lstStyle/>
+          <a:p>
+            <a:pPr marL="384048" indent="-384048" defTabSz="914400">
+              <a:lnSpc>
+                <a:spcPct val="94000"/>
+              </a:lnSpc>
+              <a:spcAft>
+                <a:spcPts val="200"/>
+              </a:spcAft>
+              <a:buFont typeface="Franklin Gothic Book" panose="020B0503020102020204" pitchFamily="34" charset="0"/>
+            </a:pPr>
+            <a:r>
+              <a:rPr lang="en-US">
+                <a:solidFill>
+                  <a:schemeClr val="tx2"/>
+                </a:solidFill>
+              </a:rPr>
+              <a:t>In developing this simulation and conducting the resulting financial analysis, we hope to identify areas that, when subject to targeted improvement, would yield the best increase in profits.</a:t>
+            </a:r>
+          </a:p>
+          <a:p>
+            <a:pPr marL="384048" indent="-384048" defTabSz="914400">
+              <a:lnSpc>
+                <a:spcPct val="94000"/>
+              </a:lnSpc>
+              <a:spcAft>
+                <a:spcPts val="200"/>
+              </a:spcAft>
+              <a:buFont typeface="Franklin Gothic Book" panose="020B0503020102020204" pitchFamily="34" charset="0"/>
+            </a:pPr>
+            <a:endParaRPr lang="en-US">
+              <a:solidFill>
+                <a:schemeClr val="tx2"/>
+              </a:solidFill>
+            </a:endParaRPr>
+          </a:p>
+        </p:txBody>
+      </p:sp>
+      <p:graphicFrame>
+        <p:nvGraphicFramePr>
+          <p:cNvPr id="7" name="Content Placeholder 6">
+            <a:extLst>
+              <a:ext uri="{FF2B5EF4-FFF2-40B4-BE49-F238E27FC236}">
+                <a16:creationId xmlns:a16="http://schemas.microsoft.com/office/drawing/2014/main" id="{2DEA2007-931C-9DAE-2EBA-03F3B6D5EA5E}"/>
+              </a:ext>
+            </a:extLst>
+          </p:cNvPr>
+          <p:cNvGraphicFramePr>
+            <a:graphicFrameLocks noGrp="1"/>
+          </p:cNvGraphicFramePr>
+          <p:nvPr>
+            <p:ph sz="quarter" idx="4"/>
+            <p:extLst>
+              <p:ext uri="{D42A27DB-BD31-4B8C-83A1-F6EECF244321}">
+                <p14:modId xmlns:p14="http://schemas.microsoft.com/office/powerpoint/2010/main" val="574571550"/>
+              </p:ext>
+            </p:extLst>
+          </p:nvPr>
+        </p:nvGraphicFramePr>
+        <p:xfrm>
+          <a:off x="5031467" y="1232067"/>
+          <a:ext cx="6517066" cy="4073827"/>
+        </p:xfrm>
+        <a:graphic>
+          <a:graphicData uri="http://schemas.openxmlformats.org/drawingml/2006/table">
+            <a:tbl>
+              <a:tblPr firstRow="1" bandRow="1">
+                <a:tableStyleId>{5C22544A-7EE6-4342-B048-85BDC9FD1C3A}</a:tableStyleId>
+              </a:tblPr>
+              <a:tblGrid>
+                <a:gridCol w="3221887">
+                  <a:extLst>
+                    <a:ext uri="{9D8B030D-6E8A-4147-A177-3AD203B41FA5}">
+                      <a16:colId xmlns:a16="http://schemas.microsoft.com/office/drawing/2014/main" val="2161737681"/>
+                    </a:ext>
+                  </a:extLst>
+                </a:gridCol>
+                <a:gridCol w="3295179">
+                  <a:extLst>
+                    <a:ext uri="{9D8B030D-6E8A-4147-A177-3AD203B41FA5}">
+                      <a16:colId xmlns:a16="http://schemas.microsoft.com/office/drawing/2014/main" val="3552250601"/>
+                    </a:ext>
+                  </a:extLst>
+                </a:gridCol>
+              </a:tblGrid>
+              <a:tr h="464374">
+                <a:tc>
+                  <a:txBody>
+                    <a:bodyPr/>
+                    <a:lstStyle/>
+                    <a:p>
+                      <a:r>
+                        <a:rPr lang="en-US" sz="2100"/>
+                        <a:t>Objective</a:t>
+                      </a:r>
+                    </a:p>
+                  </a:txBody>
+                  <a:tcPr marL="105540" marR="105540" marT="52770" marB="52770"/>
+                </a:tc>
+                <a:tc>
+                  <a:txBody>
+                    <a:bodyPr/>
+                    <a:lstStyle/>
+                    <a:p>
+                      <a:r>
+                        <a:rPr lang="en-US" sz="2100"/>
+                        <a:t>Key Methods</a:t>
+                      </a:r>
+                    </a:p>
+                  </a:txBody>
+                  <a:tcPr marL="105540" marR="105540" marT="52770" marB="52770"/>
+                </a:tc>
+                <a:extLst>
+                  <a:ext uri="{0D108BD9-81ED-4DB2-BD59-A6C34878D82A}">
+                    <a16:rowId xmlns:a16="http://schemas.microsoft.com/office/drawing/2014/main" val="3652129559"/>
+                  </a:ext>
+                </a:extLst>
+              </a:tr>
+              <a:tr h="1414230">
+                <a:tc>
+                  <a:txBody>
+                    <a:bodyPr/>
+                    <a:lstStyle/>
+                    <a:p>
+                      <a:r>
+                        <a:rPr lang="en-US" sz="2100"/>
+                        <a:t>Generate data related to key port operations</a:t>
+                      </a:r>
+                    </a:p>
+                  </a:txBody>
+                  <a:tcPr marL="105540" marR="105540" marT="52770" marB="52770"/>
+                </a:tc>
+                <a:tc>
+                  <a:txBody>
+                    <a:bodyPr/>
+                    <a:lstStyle/>
+                    <a:p>
+                      <a:r>
+                        <a:rPr lang="en-US" sz="2100"/>
+                        <a:t>Simulate berth occupancy, vessel arrivals, crane downtime, energy consumption</a:t>
+                      </a:r>
+                    </a:p>
+                  </a:txBody>
+                  <a:tcPr marL="105540" marR="105540" marT="52770" marB="52770"/>
+                </a:tc>
+                <a:extLst>
+                  <a:ext uri="{0D108BD9-81ED-4DB2-BD59-A6C34878D82A}">
+                    <a16:rowId xmlns:a16="http://schemas.microsoft.com/office/drawing/2014/main" val="2299193532"/>
+                  </a:ext>
+                </a:extLst>
+              </a:tr>
+              <a:tr h="1414230">
+                <a:tc>
+                  <a:txBody>
+                    <a:bodyPr/>
+                    <a:lstStyle/>
+                    <a:p>
+                      <a:r>
+                        <a:rPr lang="en-US" sz="2100"/>
+                        <a:t>Compute approximated costs</a:t>
+                      </a:r>
+                    </a:p>
+                  </a:txBody>
+                  <a:tcPr marL="105540" marR="105540" marT="52770" marB="52770"/>
+                </a:tc>
+                <a:tc>
+                  <a:txBody>
+                    <a:bodyPr/>
+                    <a:lstStyle/>
+                    <a:p>
+                      <a:r>
+                        <a:rPr lang="en-US" sz="2100"/>
+                        <a:t>Consolidate simulation results into annual volumes in order to compute costs</a:t>
+                      </a:r>
+                    </a:p>
+                  </a:txBody>
+                  <a:tcPr marL="105540" marR="105540" marT="52770" marB="52770"/>
+                </a:tc>
+                <a:extLst>
+                  <a:ext uri="{0D108BD9-81ED-4DB2-BD59-A6C34878D82A}">
+                    <a16:rowId xmlns:a16="http://schemas.microsoft.com/office/drawing/2014/main" val="1602486396"/>
+                  </a:ext>
+                </a:extLst>
+              </a:tr>
+              <a:tr h="780993">
+                <a:tc>
+                  <a:txBody>
+                    <a:bodyPr/>
+                    <a:lstStyle/>
+                    <a:p>
+                      <a:r>
+                        <a:rPr lang="en-US" sz="2100"/>
+                        <a:t>Apply various improvement scenarios</a:t>
+                      </a:r>
+                    </a:p>
+                  </a:txBody>
+                  <a:tcPr marL="105540" marR="105540" marT="52770" marB="52770"/>
+                </a:tc>
+                <a:tc>
+                  <a:txBody>
+                    <a:bodyPr/>
+                    <a:lstStyle/>
+                    <a:p>
+                      <a:r>
+                        <a:rPr lang="en-US" sz="2100"/>
+                        <a:t>Modify simulation data and compute new costs</a:t>
+                      </a:r>
+                    </a:p>
+                  </a:txBody>
+                  <a:tcPr marL="105540" marR="105540" marT="52770" marB="52770"/>
+                </a:tc>
+                <a:extLst>
+                  <a:ext uri="{0D108BD9-81ED-4DB2-BD59-A6C34878D82A}">
+                    <a16:rowId xmlns:a16="http://schemas.microsoft.com/office/drawing/2014/main" val="3068751855"/>
+                  </a:ext>
+                </a:extLst>
+              </a:tr>
+            </a:tbl>
+          </a:graphicData>
+        </a:graphic>
+      </p:graphicFrame>
+    </p:spTree>
+    <p:extLst>
+      <p:ext uri="{BB962C8B-B14F-4D97-AF65-F5344CB8AC3E}">
+        <p14:creationId xmlns:p14="http://schemas.microsoft.com/office/powerpoint/2010/main" val="1125471996"/>
+      </p:ext>
+    </p:extLst>
+  </p:cSld>
+  <p:clrMapOvr>
+    <a:masterClrMapping/>
+  </p:clrMapOvr>
+  <mc:AlternateContent xmlns:mc="http://schemas.openxmlformats.org/markup-compatibility/2006">
+    <mc:Choice xmlns:p159="http://schemas.microsoft.com/office/powerpoint/2015/09/main" Requires="p159">
+      <p:transition xmlns:p14="http://schemas.microsoft.com/office/powerpoint/2010/main" spd="slow" p14:dur="2000">
+        <p159:morph option="byObject"/>
+      </p:transition>
+    </mc:Choice>
+    <mc:Fallback>
+      <p:transition spd="slow">
+        <p:fade/>
+      </p:transition>
+    </mc:Fallback>
+  </mc:AlternateContent>
+</p:sld>
+</file>
+
+<file path=ppt/slides/slide4.xml><?xml version="1.0" encoding="utf-8"?>
+<p:sld xmlns:a="http://schemas.openxmlformats.org/drawingml/2006/main" xmlns:r="http://schemas.openxmlformats.org/officeDocument/2006/relationships" xmlns:p="http://schemas.openxmlformats.org/presentationml/2006/main">
+  <p:cSld>
+    <p:spTree>
+      <p:nvGrpSpPr>
+        <p:cNvPr id="1" name=""/>
+        <p:cNvGrpSpPr/>
+        <p:nvPr/>
+      </p:nvGrpSpPr>
+      <p:grpSpPr>
+        <a:xfrm>
+          <a:off x="0" y="0"/>
+          <a:ext cx="0" cy="0"/>
+          <a:chOff x="0" y="0"/>
+          <a:chExt cx="0" cy="0"/>
+        </a:xfrm>
+      </p:grpSpPr>
+      <p:sp>
+        <p:nvSpPr>
+          <p:cNvPr id="2" name="Title 1">
+            <a:extLst>
+              <a:ext uri="{FF2B5EF4-FFF2-40B4-BE49-F238E27FC236}">
+                <a16:creationId xmlns:a16="http://schemas.microsoft.com/office/drawing/2014/main" id="{ADF1D472-D3D8-211D-783F-CC1A3C9D7A54}"/>
+              </a:ext>
+            </a:extLst>
+          </p:cNvPr>
+          <p:cNvSpPr>
+            <a:spLocks noGrp="1"/>
+          </p:cNvSpPr>
+          <p:nvPr>
+            <p:ph type="title"/>
+          </p:nvPr>
+        </p:nvSpPr>
+        <p:spPr/>
+        <p:txBody>
+          <a:bodyPr/>
+          <a:lstStyle/>
+          <a:p>
+            <a:r>
+              <a:rPr lang="en-US" dirty="0"/>
+              <a:t>Model Limitations &amp; Assumptions</a:t>
+            </a:r>
+          </a:p>
+        </p:txBody>
+      </p:sp>
+      <p:graphicFrame>
+        <p:nvGraphicFramePr>
+          <p:cNvPr id="8" name="Table 7">
+            <a:extLst>
+              <a:ext uri="{FF2B5EF4-FFF2-40B4-BE49-F238E27FC236}">
+                <a16:creationId xmlns:a16="http://schemas.microsoft.com/office/drawing/2014/main" id="{489DF93A-4102-89F7-04F9-B49BDFF46FC4}"/>
+              </a:ext>
+            </a:extLst>
+          </p:cNvPr>
+          <p:cNvGraphicFramePr>
+            <a:graphicFrameLocks noGrp="1"/>
+          </p:cNvGraphicFramePr>
+          <p:nvPr>
+            <p:extLst>
+              <p:ext uri="{D42A27DB-BD31-4B8C-83A1-F6EECF244321}">
+                <p14:modId xmlns:p14="http://schemas.microsoft.com/office/powerpoint/2010/main" val="2561692969"/>
+              </p:ext>
+            </p:extLst>
+          </p:nvPr>
+        </p:nvGraphicFramePr>
+        <p:xfrm>
+          <a:off x="1371599" y="1700327"/>
+          <a:ext cx="9601200" cy="2931160"/>
+        </p:xfrm>
+        <a:graphic>
+          <a:graphicData uri="http://schemas.openxmlformats.org/drawingml/2006/table">
+            <a:tbl>
+              <a:tblPr firstRow="1" bandRow="1">
+                <a:tableStyleId>{5C22544A-7EE6-4342-B048-85BDC9FD1C3A}</a:tableStyleId>
+              </a:tblPr>
+              <a:tblGrid>
+                <a:gridCol w="4800600">
+                  <a:extLst>
+                    <a:ext uri="{9D8B030D-6E8A-4147-A177-3AD203B41FA5}">
+                      <a16:colId xmlns:a16="http://schemas.microsoft.com/office/drawing/2014/main" val="3808425669"/>
+                    </a:ext>
+                  </a:extLst>
+                </a:gridCol>
+                <a:gridCol w="4800600">
+                  <a:extLst>
+                    <a:ext uri="{9D8B030D-6E8A-4147-A177-3AD203B41FA5}">
+                      <a16:colId xmlns:a16="http://schemas.microsoft.com/office/drawing/2014/main" val="920693203"/>
+                    </a:ext>
+                  </a:extLst>
+                </a:gridCol>
+              </a:tblGrid>
+              <a:tr h="370840">
+                <a:tc>
+                  <a:txBody>
+                    <a:bodyPr/>
+                    <a:lstStyle/>
+                    <a:p>
+                      <a:r>
+                        <a:rPr lang="en-US" dirty="0"/>
+                        <a:t>Limitation</a:t>
+                      </a:r>
+                    </a:p>
+                  </a:txBody>
+                  <a:tcPr/>
+                </a:tc>
+                <a:tc>
+                  <a:txBody>
+                    <a:bodyPr/>
+                    <a:lstStyle/>
+                    <a:p>
+                      <a:r>
+                        <a:rPr lang="en-US" dirty="0"/>
+                        <a:t>Assumption / Fix</a:t>
+                      </a:r>
+                    </a:p>
+                  </a:txBody>
+                  <a:tcPr/>
+                </a:tc>
+                <a:extLst>
+                  <a:ext uri="{0D108BD9-81ED-4DB2-BD59-A6C34878D82A}">
+                    <a16:rowId xmlns:a16="http://schemas.microsoft.com/office/drawing/2014/main" val="2325259145"/>
+                  </a:ext>
+                </a:extLst>
+              </a:tr>
+              <a:tr h="370840">
+                <a:tc>
+                  <a:txBody>
+                    <a:bodyPr/>
+                    <a:lstStyle/>
+                    <a:p>
+                      <a:r>
+                        <a:rPr lang="en-US" dirty="0"/>
+                        <a:t>Little information on yard layout and resources available</a:t>
+                      </a:r>
+                    </a:p>
+                  </a:txBody>
+                  <a:tcPr/>
+                </a:tc>
+                <a:tc>
+                  <a:txBody>
+                    <a:bodyPr/>
+                    <a:lstStyle/>
+                    <a:p>
+                      <a:r>
+                        <a:rPr lang="en-US" dirty="0"/>
+                        <a:t>Treated resources (</a:t>
+                      </a:r>
+                      <a:r>
+                        <a:rPr lang="en-US" dirty="0" err="1"/>
+                        <a:t>i</a:t>
+                      </a:r>
+                      <a:r>
+                        <a:rPr lang="en-US" dirty="0"/>
+                        <a:t>. e. lights) as one “pool” resource, which may later be adjusted</a:t>
+                      </a:r>
+                    </a:p>
+                  </a:txBody>
+                  <a:tcPr/>
+                </a:tc>
+                <a:extLst>
+                  <a:ext uri="{0D108BD9-81ED-4DB2-BD59-A6C34878D82A}">
+                    <a16:rowId xmlns:a16="http://schemas.microsoft.com/office/drawing/2014/main" val="3024655320"/>
+                  </a:ext>
+                </a:extLst>
+              </a:tr>
+              <a:tr h="370840">
+                <a:tc>
+                  <a:txBody>
+                    <a:bodyPr/>
+                    <a:lstStyle/>
+                    <a:p>
+                      <a:r>
+                        <a:rPr lang="en-US" dirty="0"/>
+                        <a:t>Missing financial information</a:t>
+                      </a:r>
+                    </a:p>
+                  </a:txBody>
+                  <a:tcPr/>
+                </a:tc>
+                <a:tc>
+                  <a:txBody>
+                    <a:bodyPr/>
+                    <a:lstStyle/>
+                    <a:p>
+                      <a:r>
+                        <a:rPr lang="en-US" dirty="0"/>
+                        <a:t>All values are dynamically referenced – one update will propagate throughout</a:t>
+                      </a:r>
+                    </a:p>
+                  </a:txBody>
+                  <a:tcPr/>
+                </a:tc>
+                <a:extLst>
+                  <a:ext uri="{0D108BD9-81ED-4DB2-BD59-A6C34878D82A}">
+                    <a16:rowId xmlns:a16="http://schemas.microsoft.com/office/drawing/2014/main" val="2791072114"/>
+                  </a:ext>
+                </a:extLst>
+              </a:tr>
+              <a:tr h="370840">
+                <a:tc>
+                  <a:txBody>
+                    <a:bodyPr/>
+                    <a:lstStyle/>
+                    <a:p>
+                      <a:r>
+                        <a:rPr lang="en-US" dirty="0"/>
+                        <a:t>Underspecified distributions</a:t>
+                      </a:r>
+                    </a:p>
+                  </a:txBody>
+                  <a:tcPr/>
+                </a:tc>
+                <a:tc>
+                  <a:txBody>
+                    <a:bodyPr/>
+                    <a:lstStyle/>
+                    <a:p>
+                      <a:r>
+                        <a:rPr lang="en-US" dirty="0"/>
+                        <a:t>Dummy values inserted which may easily be updated</a:t>
+                      </a:r>
+                    </a:p>
+                  </a:txBody>
+                  <a:tcPr/>
+                </a:tc>
+                <a:extLst>
+                  <a:ext uri="{0D108BD9-81ED-4DB2-BD59-A6C34878D82A}">
+                    <a16:rowId xmlns:a16="http://schemas.microsoft.com/office/drawing/2014/main" val="228052053"/>
+                  </a:ext>
+                </a:extLst>
+              </a:tr>
+              <a:tr h="370840">
+                <a:tc>
+                  <a:txBody>
+                    <a:bodyPr/>
+                    <a:lstStyle/>
+                    <a:p>
+                      <a:r>
+                        <a:rPr lang="en-US" dirty="0"/>
+                        <a:t>Specific port operations unknown (</a:t>
+                      </a:r>
+                      <a:r>
+                        <a:rPr lang="en-US" dirty="0" err="1"/>
+                        <a:t>i</a:t>
+                      </a:r>
+                      <a:r>
+                        <a:rPr lang="en-US" dirty="0"/>
+                        <a:t>. e. how are vessels assigned to berths upon arrival?)</a:t>
+                      </a:r>
+                    </a:p>
+                  </a:txBody>
+                  <a:tcPr/>
+                </a:tc>
+                <a:tc>
+                  <a:txBody>
+                    <a:bodyPr/>
+                    <a:lstStyle/>
+                    <a:p>
+                      <a:r>
+                        <a:rPr lang="en-US" dirty="0"/>
+                        <a:t>Implemented most intuitive and efficient schedule</a:t>
+                      </a:r>
+                    </a:p>
+                  </a:txBody>
+                  <a:tcPr/>
+                </a:tc>
+                <a:extLst>
+                  <a:ext uri="{0D108BD9-81ED-4DB2-BD59-A6C34878D82A}">
+                    <a16:rowId xmlns:a16="http://schemas.microsoft.com/office/drawing/2014/main" val="2405277048"/>
+                  </a:ext>
+                </a:extLst>
+              </a:tr>
+            </a:tbl>
+          </a:graphicData>
+        </a:graphic>
+      </p:graphicFrame>
+    </p:spTree>
+    <p:extLst>
+      <p:ext uri="{BB962C8B-B14F-4D97-AF65-F5344CB8AC3E}">
+        <p14:creationId xmlns:p14="http://schemas.microsoft.com/office/powerpoint/2010/main" val="1411164066"/>
+      </p:ext>
+    </p:extLst>
+  </p:cSld>
+  <p:clrMapOvr>
+    <a:masterClrMapping/>
+  </p:clrMapOvr>
+  <mc:AlternateContent xmlns:mc="http://schemas.openxmlformats.org/markup-compatibility/2006">
+    <mc:Choice xmlns:p159="http://schemas.microsoft.com/office/powerpoint/2015/09/main" Requires="p159">
+      <p:transition xmlns:p14="http://schemas.microsoft.com/office/powerpoint/2010/main" spd="slow" p14:dur="2000">
+        <p159:morph option="byObject"/>
+      </p:transition>
+    </mc:Choice>
+    <mc:Fallback>
+      <p:transition spd="slow">
+        <p:fade/>
+      </p:transition>
+    </mc:Fallback>
+  </mc:AlternateContent>
+</p:sld>
+</file>
+
+<file path=ppt/slides/slide5.xml><?xml version="1.0" encoding="utf-8"?>
+<p:sld xmlns:a="http://schemas.openxmlformats.org/drawingml/2006/main" xmlns:r="http://schemas.openxmlformats.org/officeDocument/2006/relationships" xmlns:p="http://schemas.openxmlformats.org/presentationml/2006/main">
+  <p:cSld>
+    <p:bg>
+      <p:bgPr>
+        <a:solidFill>
+          <a:schemeClr val="bg2"/>
+        </a:solidFill>
+        <a:effectLst/>
+      </p:bgPr>
+    </p:bg>
+    <p:spTree>
+      <p:nvGrpSpPr>
+        <p:cNvPr id="1" name=""/>
+        <p:cNvGrpSpPr/>
+        <p:nvPr/>
+      </p:nvGrpSpPr>
+      <p:grpSpPr>
+        <a:xfrm>
+          <a:off x="0" y="0"/>
+          <a:ext cx="0" cy="0"/>
+          <a:chOff x="0" y="0"/>
+          <a:chExt cx="0" cy="0"/>
+        </a:xfrm>
+      </p:grpSpPr>
+      <p:sp>
+        <p:nvSpPr>
+          <p:cNvPr id="10" name="Rectangle 9">
+            <a:extLst>
+              <a:ext uri="{FF2B5EF4-FFF2-40B4-BE49-F238E27FC236}">
+                <a16:creationId xmlns:a16="http://schemas.microsoft.com/office/drawing/2014/main" id="{A93D97C6-63EF-4CA6-B01D-25E2772DC9EF}"/>
+              </a:ext>
+              <a:ext uri="{C183D7F6-B498-43B3-948B-1728B52AA6E4}">
+                <adec:decorative xmlns:adec="http://schemas.microsoft.com/office/drawing/2017/decorative" val="1"/>
+              </a:ext>
+            </a:extLst>
+          </p:cNvPr>
+          <p:cNvSpPr>
+            <a:spLocks noGrp="1" noRot="1" noChangeAspect="1" noMove="1" noResize="1" noEditPoints="1" noAdjustHandles="1" noChangeArrowheads="1" noChangeShapeType="1" noTextEdit="1"/>
+          </p:cNvSpPr>
+          <p:nvPr>
+            <p:extLst>
+              <p:ext uri="{386F3935-93C4-4BCD-93E2-E3B085C9AB24}">
+                <p16:designElem xmlns:p16="http://schemas.microsoft.com/office/powerpoint/2015/main" val="1"/>
+              </p:ext>
+            </p:extLst>
+          </p:nvPr>
+        </p:nvSpPr>
+        <p:spPr>
+          <a:xfrm>
+            <a:off x="0" y="0"/>
+            <a:ext cx="12192000" cy="6858000"/>
+          </a:xfrm>
+          <a:prstGeom prst="rect">
+            <a:avLst/>
+          </a:prstGeom>
+          <a:solidFill>
+            <a:schemeClr val="bg2"/>
+          </a:solidFill>
+          <a:ln>
+            <a:noFill/>
+          </a:ln>
+        </p:spPr>
+        <p:style>
+          <a:lnRef idx="2">
+            <a:schemeClr val="accent1">
+              <a:shade val="50000"/>
+            </a:schemeClr>
+          </a:lnRef>
+          <a:fillRef idx="1">
+            <a:schemeClr val="accent1"/>
+          </a:fillRef>
+          <a:effectRef idx="0">
+            <a:schemeClr val="accent1"/>
+          </a:effectRef>
+          <a:fontRef idx="minor">
+            <a:schemeClr val="lt1"/>
+          </a:fontRef>
+        </p:style>
+        <p:txBody>
+          <a:bodyPr rtlCol="0" anchor="ctr"/>
+          <a:lstStyle/>
+          <a:p>
+            <a:pPr algn="ctr"/>
+            <a:endParaRPr lang="en-US"/>
+          </a:p>
+        </p:txBody>
+      </p:sp>
+      <p:sp>
+        <p:nvSpPr>
+          <p:cNvPr id="2" name="Title 1">
+            <a:extLst>
+              <a:ext uri="{FF2B5EF4-FFF2-40B4-BE49-F238E27FC236}">
+                <a16:creationId xmlns:a16="http://schemas.microsoft.com/office/drawing/2014/main" id="{611A3820-AA17-B0CC-4203-C8A288FC3876}"/>
+              </a:ext>
+            </a:extLst>
+          </p:cNvPr>
+          <p:cNvSpPr>
+            <a:spLocks noGrp="1"/>
+          </p:cNvSpPr>
+          <p:nvPr>
+            <p:ph type="title"/>
+          </p:nvPr>
+        </p:nvSpPr>
+        <p:spPr>
+          <a:xfrm>
+            <a:off x="5100824" y="685800"/>
+            <a:ext cx="6176776" cy="1485900"/>
+          </a:xfrm>
+        </p:spPr>
+        <p:txBody>
+          <a:bodyPr>
+            <a:normAutofit/>
+          </a:bodyPr>
+          <a:lstStyle/>
+          <a:p>
+            <a:r>
+              <a:rPr lang="en-US" dirty="0"/>
+              <a:t>Key Simulation: Vessel Turnaround</a:t>
+            </a:r>
+          </a:p>
+        </p:txBody>
+      </p:sp>
+      <p:pic>
+        <p:nvPicPr>
+          <p:cNvPr id="7" name="Graphic 6" descr="Sailboat">
+            <a:extLst>
+              <a:ext uri="{FF2B5EF4-FFF2-40B4-BE49-F238E27FC236}">
+                <a16:creationId xmlns:a16="http://schemas.microsoft.com/office/drawing/2014/main" id="{6F998484-B309-2C24-29EF-9EE8A7EBE751}"/>
+              </a:ext>
+            </a:extLst>
+          </p:cNvPr>
+          <p:cNvPicPr>
+            <a:picLocks noChangeAspect="1"/>
+          </p:cNvPicPr>
+          <p:nvPr/>
+        </p:nvPicPr>
+        <p:blipFill>
+          <a:blip r:embed="rId2">
+            <a:extLst>
+              <a:ext uri="{28A0092B-C50C-407E-A947-70E740481C1C}">
+                <a14:useLocalDpi xmlns:a14="http://schemas.microsoft.com/office/drawing/2010/main" val="0"/>
+              </a:ext>
+              <a:ext uri="{96DAC541-7B7A-43D3-8B79-37D633B846F1}">
+                <asvg:svgBlip xmlns:asvg="http://schemas.microsoft.com/office/drawing/2016/SVG/main" r:embed="rId3"/>
+              </a:ext>
+            </a:extLst>
+          </a:blip>
+          <a:stretch>
+            <a:fillRect/>
+          </a:stretch>
+        </p:blipFill>
+        <p:spPr>
+          <a:xfrm>
+            <a:off x="634276" y="1881930"/>
+            <a:ext cx="3093388" cy="3093388"/>
+          </a:xfrm>
+          <a:prstGeom prst="rect">
+            <a:avLst/>
+          </a:prstGeom>
+        </p:spPr>
+      </p:pic>
+      <p:sp>
+        <p:nvSpPr>
+          <p:cNvPr id="12" name="Rectangle 11">
+            <a:extLst>
+              <a:ext uri="{FF2B5EF4-FFF2-40B4-BE49-F238E27FC236}">
+                <a16:creationId xmlns:a16="http://schemas.microsoft.com/office/drawing/2014/main" id="{5DA4A40B-EDCE-42FC-B189-AEFB4F82E818}"/>
+              </a:ext>
+              <a:ext uri="{C183D7F6-B498-43B3-948B-1728B52AA6E4}">
+                <adec:decorative xmlns:adec="http://schemas.microsoft.com/office/drawing/2017/decorative" val="1"/>
+              </a:ext>
+            </a:extLst>
+          </p:cNvPr>
+          <p:cNvSpPr>
+            <a:spLocks noGrp="1" noRot="1" noChangeAspect="1" noMove="1" noResize="1" noEditPoints="1" noAdjustHandles="1" noChangeArrowheads="1" noChangeShapeType="1" noTextEdit="1"/>
+          </p:cNvSpPr>
+          <p:nvPr>
+            <p:extLst>
+              <p:ext uri="{386F3935-93C4-4BCD-93E2-E3B085C9AB24}">
+                <p16:designElem xmlns:p16="http://schemas.microsoft.com/office/powerpoint/2015/main" val="1"/>
+              </p:ext>
+            </p:extLst>
+          </p:nvPr>
+        </p:nvSpPr>
+        <p:spPr>
+          <a:xfrm>
+            <a:off x="4373545" y="376"/>
+            <a:ext cx="228600" cy="6858000"/>
+          </a:xfrm>
+          <a:prstGeom prst="rect">
+            <a:avLst/>
+          </a:prstGeom>
+          <a:solidFill>
+            <a:schemeClr val="tx2"/>
+          </a:solidFill>
+          <a:ln>
+            <a:noFill/>
+          </a:ln>
+        </p:spPr>
+        <p:style>
+          <a:lnRef idx="2">
+            <a:schemeClr val="accent1">
+              <a:shade val="50000"/>
+            </a:schemeClr>
+          </a:lnRef>
+          <a:fillRef idx="1">
+            <a:schemeClr val="accent1"/>
+          </a:fillRef>
+          <a:effectRef idx="0">
+            <a:schemeClr val="accent1"/>
+          </a:effectRef>
+          <a:fontRef idx="minor">
+            <a:schemeClr val="lt1"/>
+          </a:fontRef>
+        </p:style>
+        <p:txBody>
+          <a:bodyPr/>
+          <a:lstStyle/>
+          <a:p>
+            <a:endParaRPr lang="en-US"/>
+          </a:p>
+        </p:txBody>
+      </p:sp>
+      <p:sp>
+        <p:nvSpPr>
+          <p:cNvPr id="3" name="Content Placeholder 2">
+            <a:extLst>
+              <a:ext uri="{FF2B5EF4-FFF2-40B4-BE49-F238E27FC236}">
+                <a16:creationId xmlns:a16="http://schemas.microsoft.com/office/drawing/2014/main" id="{1BD6FD1D-5E43-72E7-830A-F2A5FCA6034B}"/>
+              </a:ext>
+            </a:extLst>
+          </p:cNvPr>
+          <p:cNvSpPr>
+            <a:spLocks noGrp="1"/>
+          </p:cNvSpPr>
+          <p:nvPr>
+            <p:ph idx="1"/>
+          </p:nvPr>
+        </p:nvSpPr>
+        <p:spPr>
+          <a:xfrm>
+            <a:off x="5100824" y="2286000"/>
+            <a:ext cx="6176776" cy="3581400"/>
+          </a:xfrm>
+        </p:spPr>
+        <p:txBody>
+          <a:bodyPr>
+            <a:normAutofit/>
+          </a:bodyPr>
+          <a:lstStyle/>
+          <a:p>
+            <a:pPr marL="0" indent="0">
+              <a:buNone/>
+            </a:pPr>
+            <a:r>
+              <a:rPr lang="en-US" dirty="0"/>
+              <a:t>What the simulations answers…</a:t>
+            </a:r>
+          </a:p>
+          <a:p>
+            <a:r>
+              <a:rPr lang="en-US" dirty="0"/>
+              <a:t>When do vessels arrive?</a:t>
+            </a:r>
+          </a:p>
+          <a:p>
+            <a:r>
+              <a:rPr lang="en-US" dirty="0"/>
+              <a:t>Which berth are they assigned to upon arrival?</a:t>
+            </a:r>
+          </a:p>
+          <a:p>
+            <a:r>
+              <a:rPr lang="en-US" dirty="0"/>
+              <a:t>How long does processing take?</a:t>
+            </a:r>
+          </a:p>
+          <a:p>
+            <a:pPr marL="0" indent="0">
+              <a:buNone/>
+            </a:pPr>
+            <a:r>
+              <a:rPr lang="en-US" dirty="0"/>
+              <a:t>Why is this relevant?</a:t>
+            </a:r>
+          </a:p>
+          <a:p>
+            <a:r>
+              <a:rPr lang="en-US" dirty="0"/>
+              <a:t>Foundation for later simulations (container movement, for example, as containers must be unloaded from vessels)</a:t>
+            </a:r>
+          </a:p>
+        </p:txBody>
+      </p:sp>
+    </p:spTree>
+    <p:extLst>
+      <p:ext uri="{BB962C8B-B14F-4D97-AF65-F5344CB8AC3E}">
+        <p14:creationId xmlns:p14="http://schemas.microsoft.com/office/powerpoint/2010/main" val="1409707640"/>
+      </p:ext>
+    </p:extLst>
+  </p:cSld>
+  <p:clrMapOvr>
+    <a:masterClrMapping/>
+  </p:clrMapOvr>
+  <mc:AlternateContent xmlns:mc="http://schemas.openxmlformats.org/markup-compatibility/2006">
+    <mc:Choice xmlns:p159="http://schemas.microsoft.com/office/powerpoint/2015/09/main" Requires="p159">
+      <p:transition xmlns:p14="http://schemas.microsoft.com/office/powerpoint/2010/main" spd="slow" p14:dur="2000">
+        <p159:morph option="byObject"/>
+      </p:transition>
+    </mc:Choice>
+    <mc:Fallback>
+      <p:transition spd="slow">
+        <p:fade/>
+      </p:transition>
+    </mc:Fallback>
+  </mc:AlternateContent>
+</p:sld>
+</file>
+
+<file path=ppt/slides/slide6.xml><?xml version="1.0" encoding="utf-8"?>
+<p:sld xmlns:a="http://schemas.openxmlformats.org/drawingml/2006/main" xmlns:r="http://schemas.openxmlformats.org/officeDocument/2006/relationships" xmlns:p="http://schemas.openxmlformats.org/presentationml/2006/main">
+  <p:cSld>
+    <p:bg>
+      <p:bgPr>
+        <a:solidFill>
+          <a:schemeClr val="bg2"/>
+        </a:solidFill>
+        <a:effectLst/>
+      </p:bgPr>
+    </p:bg>
+    <p:spTree>
+      <p:nvGrpSpPr>
+        <p:cNvPr id="1" name=""/>
+        <p:cNvGrpSpPr/>
+        <p:nvPr/>
+      </p:nvGrpSpPr>
+      <p:grpSpPr>
+        <a:xfrm>
+          <a:off x="0" y="0"/>
+          <a:ext cx="0" cy="0"/>
+          <a:chOff x="0" y="0"/>
+          <a:chExt cx="0" cy="0"/>
+        </a:xfrm>
+      </p:grpSpPr>
+      <p:sp useBgFill="1">
+        <p:nvSpPr>
+          <p:cNvPr id="24" name="Rectangle 23">
+            <a:extLst>
+              <a:ext uri="{FF2B5EF4-FFF2-40B4-BE49-F238E27FC236}">
+                <a16:creationId xmlns:a16="http://schemas.microsoft.com/office/drawing/2014/main" id="{1D868099-6145-4BC0-A5EA-74BEF1776BA9}"/>
+              </a:ext>
+              <a:ext uri="{C183D7F6-B498-43B3-948B-1728B52AA6E4}">
+                <adec:decorative xmlns:adec="http://schemas.microsoft.com/office/drawing/2017/decorative" val="1"/>
+              </a:ext>
+            </a:extLst>
+          </p:cNvPr>
+          <p:cNvSpPr>
+            <a:spLocks noGrp="1" noRot="1" noChangeAspect="1" noMove="1" noResize="1" noEditPoints="1" noAdjustHandles="1" noChangeArrowheads="1" noChangeShapeType="1" noTextEdit="1"/>
+          </p:cNvSpPr>
+          <p:nvPr>
+            <p:extLst>
+              <p:ext uri="{386F3935-93C4-4BCD-93E2-E3B085C9AB24}">
+                <p16:designElem xmlns:p16="http://schemas.microsoft.com/office/powerpoint/2015/main" val="1"/>
+              </p:ext>
+            </p:extLst>
+          </p:nvPr>
+        </p:nvSpPr>
+        <p:spPr>
+          <a:xfrm>
+            <a:off x="0" y="0"/>
+            <a:ext cx="12192000" cy="6858000"/>
+          </a:xfrm>
+          <a:prstGeom prst="rect">
+            <a:avLst/>
+          </a:prstGeom>
+          <a:ln>
+            <a:noFill/>
+          </a:ln>
+        </p:spPr>
+        <p:style>
+          <a:lnRef idx="2">
+            <a:schemeClr val="accent1">
+              <a:shade val="50000"/>
+            </a:schemeClr>
+          </a:lnRef>
+          <a:fillRef idx="1">
+            <a:schemeClr val="accent1"/>
+          </a:fillRef>
+          <a:effectRef idx="0">
+            <a:schemeClr val="accent1"/>
+          </a:effectRef>
+          <a:fontRef idx="minor">
+            <a:schemeClr val="lt1"/>
+          </a:fontRef>
+        </p:style>
+        <p:txBody>
+          <a:bodyPr rtlCol="0" anchor="ctr"/>
+          <a:lstStyle/>
+          <a:p>
+            <a:pPr algn="ctr"/>
+            <a:endParaRPr lang="en-US"/>
+          </a:p>
+        </p:txBody>
+      </p:sp>
+      <p:sp>
+        <p:nvSpPr>
+          <p:cNvPr id="2" name="Title 1">
+            <a:extLst>
+              <a:ext uri="{FF2B5EF4-FFF2-40B4-BE49-F238E27FC236}">
+                <a16:creationId xmlns:a16="http://schemas.microsoft.com/office/drawing/2014/main" id="{8C9DD034-D5B3-6E1D-0472-DF630519DF57}"/>
+              </a:ext>
+            </a:extLst>
+          </p:cNvPr>
+          <p:cNvSpPr>
+            <a:spLocks noGrp="1"/>
+          </p:cNvSpPr>
+          <p:nvPr>
+            <p:ph type="title"/>
+          </p:nvPr>
+        </p:nvSpPr>
+        <p:spPr>
+          <a:xfrm>
+            <a:off x="8471424" y="1110882"/>
+            <a:ext cx="3053039" cy="1060817"/>
+          </a:xfrm>
+        </p:spPr>
+        <p:txBody>
+          <a:bodyPr vert="horz" lIns="91440" tIns="45720" rIns="91440" bIns="45720" rtlCol="0" anchor="b">
+            <a:normAutofit/>
+          </a:bodyPr>
+          <a:lstStyle/>
+          <a:p>
+            <a:r>
+              <a:rPr lang="en-US" sz="2800" cap="all"/>
+              <a:t>Figure: Vessel Turnaround</a:t>
+            </a:r>
+          </a:p>
+        </p:txBody>
+      </p:sp>
+      <p:pic>
+        <p:nvPicPr>
+          <p:cNvPr id="4" name="Content Placeholder 3" descr="A graph with lines and numbers&#10;&#10;AI-generated content may be incorrect.">
+            <a:extLst>
+              <a:ext uri="{FF2B5EF4-FFF2-40B4-BE49-F238E27FC236}">
+                <a16:creationId xmlns:a16="http://schemas.microsoft.com/office/drawing/2014/main" id="{7591A888-9770-7F83-B99A-CB546B030ACA}"/>
+              </a:ext>
+            </a:extLst>
+          </p:cNvPr>
+          <p:cNvPicPr>
+            <a:picLocks noChangeAspect="1"/>
+          </p:cNvPicPr>
+          <p:nvPr/>
+        </p:nvPicPr>
+        <p:blipFill>
+          <a:blip r:embed="rId2">
+            <a:extLst>
+              <a:ext uri="{28A0092B-C50C-407E-A947-70E740481C1C}">
+                <a14:useLocalDpi xmlns:a14="http://schemas.microsoft.com/office/drawing/2010/main" val="0"/>
+              </a:ext>
+            </a:extLst>
+          </a:blip>
+          <a:stretch>
+            <a:fillRect/>
+          </a:stretch>
+        </p:blipFill>
+        <p:spPr>
+          <a:xfrm>
+            <a:off x="634275" y="1609024"/>
+            <a:ext cx="6900380" cy="3639951"/>
+          </a:xfrm>
+          <a:prstGeom prst="rect">
+            <a:avLst/>
+          </a:prstGeom>
+        </p:spPr>
+      </p:pic>
+      <p:sp>
+        <p:nvSpPr>
+          <p:cNvPr id="21" name="Content Placeholder 20">
+            <a:extLst>
+              <a:ext uri="{FF2B5EF4-FFF2-40B4-BE49-F238E27FC236}">
+                <a16:creationId xmlns:a16="http://schemas.microsoft.com/office/drawing/2014/main" id="{46538AD2-2593-7C7F-5FBD-E2F11A747D77}"/>
+              </a:ext>
+            </a:extLst>
+          </p:cNvPr>
+          <p:cNvSpPr>
+            <a:spLocks noGrp="1"/>
+          </p:cNvSpPr>
+          <p:nvPr>
+            <p:ph idx="1"/>
+          </p:nvPr>
+        </p:nvSpPr>
+        <p:spPr>
+          <a:xfrm>
+            <a:off x="8471423" y="2286000"/>
+            <a:ext cx="3053039" cy="3931920"/>
+          </a:xfrm>
+        </p:spPr>
+        <p:txBody>
+          <a:bodyPr>
+            <a:normAutofit/>
+          </a:bodyPr>
+          <a:lstStyle/>
+          <a:p>
+            <a:pPr marL="0" indent="0">
+              <a:buNone/>
+            </a:pPr>
+            <a:r>
+              <a:rPr lang="en-US" sz="1600" dirty="0"/>
+              <a:t>Lines indicate time that a berth is occupied by a vessel.</a:t>
+            </a:r>
+          </a:p>
+        </p:txBody>
+      </p:sp>
+      <p:sp>
+        <p:nvSpPr>
+          <p:cNvPr id="26" name="Freeform 6">
+            <a:extLst>
+              <a:ext uri="{FF2B5EF4-FFF2-40B4-BE49-F238E27FC236}">
+                <a16:creationId xmlns:a16="http://schemas.microsoft.com/office/drawing/2014/main" id="{CC1026F7-DECB-49B4-A565-518BBA445471}"/>
+              </a:ext>
+              <a:ext uri="{C183D7F6-B498-43B3-948B-1728B52AA6E4}">
+                <adec:decorative xmlns:adec="http://schemas.microsoft.com/office/drawing/2017/decorative" val="1"/>
+              </a:ext>
+            </a:extLst>
+          </p:cNvPr>
+          <p:cNvSpPr>
+            <a:spLocks noGrp="1" noRot="1" noChangeAspect="1" noMove="1" noResize="1" noEditPoints="1" noAdjustHandles="1" noChangeArrowheads="1" noChangeShapeType="1" noTextEdit="1"/>
+          </p:cNvSpPr>
+          <p:nvPr>
+            <p:extLst>
+              <p:ext uri="{386F3935-93C4-4BCD-93E2-E3B085C9AB24}">
+                <p16:designElem xmlns:p16="http://schemas.microsoft.com/office/powerpoint/2015/main" val="1"/>
+              </p:ext>
+            </p:extLst>
+          </p:nvPr>
+        </p:nvSpPr>
+        <p:spPr bwMode="auto">
+          <a:xfrm flipH="1" flipV="1">
+            <a:off x="7983434" y="640080"/>
+            <a:ext cx="2296028" cy="3674981"/>
+          </a:xfrm>
+          <a:custGeom>
+            <a:avLst/>
+            <a:gdLst/>
+            <a:ahLst/>
+            <a:cxnLst/>
+            <a:rect l="l" t="t" r="r" b="b"/>
+            <a:pathLst>
+              <a:path w="10002" h="10000">
+                <a:moveTo>
+                  <a:pt x="8763" y="0"/>
+                </a:moveTo>
+                <a:lnTo>
+                  <a:pt x="10002" y="0"/>
+                </a:lnTo>
+                <a:lnTo>
+                  <a:pt x="10002" y="10000"/>
+                </a:lnTo>
+                <a:lnTo>
+                  <a:pt x="2" y="10000"/>
+                </a:lnTo>
+                <a:cubicBezTo>
+                  <a:pt x="-2" y="9698"/>
+                  <a:pt x="4" y="9427"/>
+                  <a:pt x="0" y="9125"/>
+                </a:cubicBezTo>
+                <a:lnTo>
+                  <a:pt x="8763" y="9128"/>
+                </a:lnTo>
+                <a:lnTo>
+                  <a:pt x="8763" y="0"/>
+                </a:lnTo>
+                <a:close/>
+              </a:path>
+            </a:pathLst>
+          </a:custGeom>
+          <a:solidFill>
+            <a:schemeClr val="tx2"/>
+          </a:solidFill>
+          <a:ln w="0">
+            <a:noFill/>
+            <a:prstDash val="solid"/>
+            <a:round/>
+            <a:headEnd/>
+            <a:tailEnd/>
+          </a:ln>
+        </p:spPr>
+        <p:txBody>
+          <a:bodyPr/>
+          <a:lstStyle/>
+          <a:p>
+            <a:endParaRPr lang="en-US"/>
+          </a:p>
+        </p:txBody>
+      </p:sp>
+    </p:spTree>
+    <p:extLst>
+      <p:ext uri="{BB962C8B-B14F-4D97-AF65-F5344CB8AC3E}">
+        <p14:creationId xmlns:p14="http://schemas.microsoft.com/office/powerpoint/2010/main" val="1252320062"/>
+      </p:ext>
+    </p:extLst>
+  </p:cSld>
+  <p:clrMapOvr>
+    <a:masterClrMapping/>
+  </p:clrMapOvr>
+  <mc:AlternateContent xmlns:mc="http://schemas.openxmlformats.org/markup-compatibility/2006">
+    <mc:Choice xmlns:p159="http://schemas.microsoft.com/office/powerpoint/2015/09/main" Requires="p159">
+      <p:transition xmlns:p14="http://schemas.microsoft.com/office/powerpoint/2010/main" spd="slow" p14:dur="2000">
+        <p159:morph option="byObject"/>
+      </p:transition>
+    </mc:Choice>
+    <mc:Fallback>
+      <p:transition spd="slow">
+        <p:fade/>
+      </p:transition>
+    </mc:Fallback>
+  </mc:AlternateContent>
+</p:sld>
+</file>
+
+<file path=ppt/slides/slide7.xml><?xml version="1.0" encoding="utf-8"?>
+<p:sld xmlns:a="http://schemas.openxmlformats.org/drawingml/2006/main" xmlns:r="http://schemas.openxmlformats.org/officeDocument/2006/relationships" xmlns:p="http://schemas.openxmlformats.org/presentationml/2006/main">
+  <p:cSld>
+    <p:spTree>
+      <p:nvGrpSpPr>
+        <p:cNvPr id="1" name=""/>
+        <p:cNvGrpSpPr/>
+        <p:nvPr/>
+      </p:nvGrpSpPr>
+      <p:grpSpPr>
+        <a:xfrm>
+          <a:off x="0" y="0"/>
+          <a:ext cx="0" cy="0"/>
+          <a:chOff x="0" y="0"/>
+          <a:chExt cx="0" cy="0"/>
+        </a:xfrm>
+      </p:grpSpPr>
+      <p:sp>
+        <p:nvSpPr>
+          <p:cNvPr id="2" name="Title 1">
+            <a:extLst>
+              <a:ext uri="{FF2B5EF4-FFF2-40B4-BE49-F238E27FC236}">
+                <a16:creationId xmlns:a16="http://schemas.microsoft.com/office/drawing/2014/main" id="{5BAAE35C-3041-1CF4-7A9D-0588E8F6B784}"/>
+              </a:ext>
+            </a:extLst>
+          </p:cNvPr>
+          <p:cNvSpPr>
+            <a:spLocks noGrp="1"/>
+          </p:cNvSpPr>
+          <p:nvPr>
+            <p:ph type="title"/>
+          </p:nvPr>
+        </p:nvSpPr>
+        <p:spPr/>
+        <p:txBody>
+          <a:bodyPr/>
+          <a:lstStyle/>
+          <a:p>
+            <a:r>
+              <a:rPr lang="en-US" dirty="0"/>
+              <a:t>Cost Model</a:t>
+            </a:r>
+          </a:p>
+        </p:txBody>
+      </p:sp>
+      <p:sp>
+        <p:nvSpPr>
+          <p:cNvPr id="3" name="Text Placeholder 2">
+            <a:extLst>
+              <a:ext uri="{FF2B5EF4-FFF2-40B4-BE49-F238E27FC236}">
+                <a16:creationId xmlns:a16="http://schemas.microsoft.com/office/drawing/2014/main" id="{838960C3-A282-408F-14EC-4EE4D8A379DF}"/>
+              </a:ext>
+            </a:extLst>
+          </p:cNvPr>
+          <p:cNvSpPr>
+            <a:spLocks noGrp="1"/>
+          </p:cNvSpPr>
+          <p:nvPr>
+            <p:ph type="body" idx="1"/>
+          </p:nvPr>
+        </p:nvSpPr>
+        <p:spPr/>
+        <p:txBody>
+          <a:bodyPr>
+            <a:normAutofit fontScale="92500" lnSpcReduction="10000"/>
+          </a:bodyPr>
+          <a:lstStyle/>
+          <a:p>
+            <a:r>
+              <a:rPr lang="en-US" dirty="0"/>
+              <a:t>Using the provided unit costs and generated yearly simulation data, we have a total cost of 39,770 cr. Note that for the year ended March 2024, the total operating expenses were 31,958 </a:t>
+            </a:r>
+            <a:r>
+              <a:rPr lang="en-US" dirty="0" err="1"/>
+              <a:t>cr</a:t>
+            </a:r>
+            <a:r>
+              <a:rPr lang="en-US" dirty="0"/>
+              <a:t> </a:t>
+            </a:r>
+          </a:p>
+          <a:p>
+            <a:endParaRPr lang="en-US" dirty="0"/>
+          </a:p>
+        </p:txBody>
+      </p:sp>
+    </p:spTree>
+    <p:extLst>
+      <p:ext uri="{BB962C8B-B14F-4D97-AF65-F5344CB8AC3E}">
+        <p14:creationId xmlns:p14="http://schemas.microsoft.com/office/powerpoint/2010/main" val="1481137511"/>
+      </p:ext>
+    </p:extLst>
+  </p:cSld>
+  <p:clrMapOvr>
+    <a:masterClrMapping/>
+  </p:clrMapOvr>
+  <mc:AlternateContent xmlns:mc="http://schemas.openxmlformats.org/markup-compatibility/2006">
+    <mc:Choice xmlns:p159="http://schemas.microsoft.com/office/powerpoint/2015/09/main" Requires="p159">
+      <p:transition xmlns:p14="http://schemas.microsoft.com/office/powerpoint/2010/main" spd="slow" p14:dur="2000">
+        <p159:morph option="byObject"/>
+      </p:transition>
+    </mc:Choice>
+    <mc:Fallback>
+      <p:transition spd="slow">
+        <p:fade/>
+      </p:transition>
+    </mc:Fallback>
+  </mc:AlternateContent>
+</p:sld>
+</file>
+
+<file path=ppt/slides/slide8.xml><?xml version="1.0" encoding="utf-8"?>
+<p:sld xmlns:a="http://schemas.openxmlformats.org/drawingml/2006/main" xmlns:r="http://schemas.openxmlformats.org/officeDocument/2006/relationships" xmlns:p="http://schemas.openxmlformats.org/presentationml/2006/main">
+  <p:cSld>
+    <p:spTree>
+      <p:nvGrpSpPr>
+        <p:cNvPr id="1" name=""/>
+        <p:cNvGrpSpPr/>
+        <p:nvPr/>
+      </p:nvGrpSpPr>
+      <p:grpSpPr>
+        <a:xfrm>
+          <a:off x="0" y="0"/>
+          <a:ext cx="0" cy="0"/>
+          <a:chOff x="0" y="0"/>
+          <a:chExt cx="0" cy="0"/>
+        </a:xfrm>
+      </p:grpSpPr>
+      <p:sp>
+        <p:nvSpPr>
+          <p:cNvPr id="2" name="Title 1">
+            <a:extLst>
+              <a:ext uri="{FF2B5EF4-FFF2-40B4-BE49-F238E27FC236}">
+                <a16:creationId xmlns:a16="http://schemas.microsoft.com/office/drawing/2014/main" id="{74732484-8B06-5043-3B03-E85F8DFEC62E}"/>
+              </a:ext>
+            </a:extLst>
+          </p:cNvPr>
+          <p:cNvSpPr>
+            <a:spLocks noGrp="1"/>
+          </p:cNvSpPr>
+          <p:nvPr>
+            <p:ph type="title"/>
+          </p:nvPr>
+        </p:nvSpPr>
+        <p:spPr/>
+        <p:txBody>
+          <a:bodyPr/>
+          <a:lstStyle/>
+          <a:p>
+            <a:r>
+              <a:rPr lang="en-US" dirty="0"/>
+              <a:t>Cost Model Results</a:t>
+            </a:r>
+          </a:p>
+        </p:txBody>
+      </p:sp>
+      <p:graphicFrame>
+        <p:nvGraphicFramePr>
+          <p:cNvPr id="5" name="Content Placeholder 4">
+            <a:extLst>
+              <a:ext uri="{FF2B5EF4-FFF2-40B4-BE49-F238E27FC236}">
+                <a16:creationId xmlns:a16="http://schemas.microsoft.com/office/drawing/2014/main" id="{9D79D44B-3B45-9E4C-9DC9-541E0B8061A3}"/>
+              </a:ext>
+            </a:extLst>
+          </p:cNvPr>
+          <p:cNvGraphicFramePr>
+            <a:graphicFrameLocks noGrp="1"/>
+          </p:cNvGraphicFramePr>
+          <p:nvPr>
+            <p:ph sz="half" idx="1"/>
+            <p:extLst>
+              <p:ext uri="{D42A27DB-BD31-4B8C-83A1-F6EECF244321}">
+                <p14:modId xmlns:p14="http://schemas.microsoft.com/office/powerpoint/2010/main" val="984278760"/>
+              </p:ext>
+            </p:extLst>
+          </p:nvPr>
+        </p:nvGraphicFramePr>
+        <p:xfrm>
+          <a:off x="1278835" y="2938971"/>
+          <a:ext cx="5466522" cy="2802426"/>
+        </p:xfrm>
+        <a:graphic>
+          <a:graphicData uri="http://schemas.openxmlformats.org/drawingml/2006/table">
+            <a:tbl>
+              <a:tblPr firstRow="1" firstCol="1" bandRow="1">
+                <a:tableStyleId>{5C22544A-7EE6-4342-B048-85BDC9FD1C3A}</a:tableStyleId>
+              </a:tblPr>
+              <a:tblGrid>
+                <a:gridCol w="1550706">
+                  <a:extLst>
+                    <a:ext uri="{9D8B030D-6E8A-4147-A177-3AD203B41FA5}">
+                      <a16:colId xmlns:a16="http://schemas.microsoft.com/office/drawing/2014/main" val="3894628862"/>
+                    </a:ext>
+                  </a:extLst>
+                </a:gridCol>
+                <a:gridCol w="1837898">
+                  <a:extLst>
+                    <a:ext uri="{9D8B030D-6E8A-4147-A177-3AD203B41FA5}">
+                      <a16:colId xmlns:a16="http://schemas.microsoft.com/office/drawing/2014/main" val="2511240890"/>
+                    </a:ext>
+                  </a:extLst>
+                </a:gridCol>
+                <a:gridCol w="1038959">
+                  <a:extLst>
+                    <a:ext uri="{9D8B030D-6E8A-4147-A177-3AD203B41FA5}">
+                      <a16:colId xmlns:a16="http://schemas.microsoft.com/office/drawing/2014/main" val="3206409044"/>
+                    </a:ext>
+                  </a:extLst>
+                </a:gridCol>
+                <a:gridCol w="1038959">
+                  <a:extLst>
+                    <a:ext uri="{9D8B030D-6E8A-4147-A177-3AD203B41FA5}">
+                      <a16:colId xmlns:a16="http://schemas.microsoft.com/office/drawing/2014/main" val="2275902859"/>
+                    </a:ext>
+                  </a:extLst>
+                </a:gridCol>
+              </a:tblGrid>
+              <a:tr h="310217">
+                <a:tc>
+                  <a:txBody>
+                    <a:bodyPr/>
+                    <a:lstStyle/>
+                    <a:p>
+                      <a:pPr marL="0" marR="0">
+                        <a:lnSpc>
+                          <a:spcPct val="115000"/>
+                        </a:lnSpc>
+                        <a:spcAft>
+                          <a:spcPts val="800"/>
+                        </a:spcAft>
+                        <a:buNone/>
+                      </a:pPr>
+                      <a:r>
+                        <a:rPr lang="en-US" sz="1200" kern="0" dirty="0">
+                          <a:effectLst/>
+                        </a:rPr>
+                        <a:t>Metric</a:t>
+                      </a:r>
+                      <a:endParaRPr lang="en-US" sz="1200" kern="100" dirty="0">
+                        <a:effectLst/>
+                        <a:latin typeface="Aptos" panose="020B0004020202020204" pitchFamily="34" charset="0"/>
+                        <a:ea typeface="Aptos" panose="020B0004020202020204" pitchFamily="34" charset="0"/>
+                        <a:cs typeface="Times New Roman" panose="02020603050405020304" pitchFamily="18" charset="0"/>
+                      </a:endParaRPr>
+                    </a:p>
+                  </a:txBody>
+                  <a:tcPr marL="68580" marR="68580" marT="0" marB="0" anchor="ctr"/>
+                </a:tc>
+                <a:tc>
+                  <a:txBody>
+                    <a:bodyPr/>
+                    <a:lstStyle/>
+                    <a:p>
+                      <a:pPr marL="0" marR="0">
+                        <a:lnSpc>
+                          <a:spcPct val="115000"/>
+                        </a:lnSpc>
+                        <a:spcAft>
+                          <a:spcPts val="800"/>
+                        </a:spcAft>
+                        <a:buNone/>
+                      </a:pPr>
+                      <a:r>
+                        <a:rPr lang="en-US" sz="1200" kern="0" dirty="0">
+                          <a:effectLst/>
+                        </a:rPr>
+                        <a:t>Volume</a:t>
+                      </a:r>
+                      <a:endParaRPr lang="en-US" sz="1200" kern="100" dirty="0">
+                        <a:effectLst/>
+                        <a:latin typeface="Aptos" panose="020B0004020202020204" pitchFamily="34" charset="0"/>
+                        <a:ea typeface="Aptos" panose="020B0004020202020204" pitchFamily="34" charset="0"/>
+                        <a:cs typeface="Times New Roman" panose="02020603050405020304" pitchFamily="18" charset="0"/>
+                      </a:endParaRPr>
+                    </a:p>
+                  </a:txBody>
+                  <a:tcPr marL="68580" marR="68580" marT="0" marB="0" anchor="ctr"/>
+                </a:tc>
+                <a:tc>
+                  <a:txBody>
+                    <a:bodyPr/>
+                    <a:lstStyle/>
+                    <a:p>
+                      <a:pPr marL="0" marR="0">
+                        <a:lnSpc>
+                          <a:spcPct val="115000"/>
+                        </a:lnSpc>
+                        <a:spcAft>
+                          <a:spcPts val="800"/>
+                        </a:spcAft>
+                        <a:buNone/>
+                      </a:pPr>
+                      <a:r>
+                        <a:rPr lang="en-US" sz="1200" kern="0" dirty="0">
+                          <a:effectLst/>
+                        </a:rPr>
+                        <a:t>Unit Cost</a:t>
+                      </a:r>
+                      <a:endParaRPr lang="en-US" sz="1200" kern="100" dirty="0">
+                        <a:effectLst/>
+                        <a:latin typeface="Aptos" panose="020B0004020202020204" pitchFamily="34" charset="0"/>
+                        <a:ea typeface="Aptos" panose="020B0004020202020204" pitchFamily="34" charset="0"/>
+                        <a:cs typeface="Times New Roman" panose="02020603050405020304" pitchFamily="18" charset="0"/>
+                      </a:endParaRPr>
+                    </a:p>
+                  </a:txBody>
+                  <a:tcPr marL="68580" marR="68580" marT="0" marB="0" anchor="ctr"/>
+                </a:tc>
+                <a:tc>
+                  <a:txBody>
+                    <a:bodyPr/>
+                    <a:lstStyle/>
+                    <a:p>
+                      <a:pPr marL="0" marR="0">
+                        <a:lnSpc>
+                          <a:spcPct val="115000"/>
+                        </a:lnSpc>
+                        <a:spcAft>
+                          <a:spcPts val="800"/>
+                        </a:spcAft>
+                        <a:buNone/>
+                      </a:pPr>
+                      <a:r>
+                        <a:rPr lang="en-US" sz="1200" kern="0" dirty="0">
+                          <a:effectLst/>
+                        </a:rPr>
+                        <a:t>Total Cost</a:t>
+                      </a:r>
+                      <a:endParaRPr lang="en-US" sz="1200" kern="100" dirty="0">
+                        <a:effectLst/>
+                        <a:latin typeface="Aptos" panose="020B0004020202020204" pitchFamily="34" charset="0"/>
+                        <a:ea typeface="Aptos" panose="020B0004020202020204" pitchFamily="34" charset="0"/>
+                        <a:cs typeface="Times New Roman" panose="02020603050405020304" pitchFamily="18" charset="0"/>
+                      </a:endParaRPr>
+                    </a:p>
+                  </a:txBody>
+                  <a:tcPr marL="68580" marR="68580" marT="0" marB="0" anchor="ctr"/>
+                </a:tc>
+                <a:extLst>
+                  <a:ext uri="{0D108BD9-81ED-4DB2-BD59-A6C34878D82A}">
+                    <a16:rowId xmlns:a16="http://schemas.microsoft.com/office/drawing/2014/main" val="3187371834"/>
+                  </a:ext>
+                </a:extLst>
+              </a:tr>
+              <a:tr h="623925">
+                <a:tc>
+                  <a:txBody>
+                    <a:bodyPr/>
+                    <a:lstStyle/>
+                    <a:p>
+                      <a:pPr marL="0" marR="0">
+                        <a:lnSpc>
+                          <a:spcPct val="115000"/>
+                        </a:lnSpc>
+                        <a:spcAft>
+                          <a:spcPts val="800"/>
+                        </a:spcAft>
+                        <a:buNone/>
+                      </a:pPr>
+                      <a:r>
+                        <a:rPr lang="en-US" sz="1200" kern="0" dirty="0">
+                          <a:effectLst/>
+                        </a:rPr>
+                        <a:t>Quay Crane</a:t>
+                      </a:r>
+                      <a:endParaRPr lang="en-US" sz="1200" kern="100" dirty="0">
+                        <a:effectLst/>
+                        <a:latin typeface="Aptos" panose="020B0004020202020204" pitchFamily="34" charset="0"/>
+                        <a:ea typeface="Aptos" panose="020B0004020202020204" pitchFamily="34" charset="0"/>
+                        <a:cs typeface="Times New Roman" panose="02020603050405020304" pitchFamily="18" charset="0"/>
+                      </a:endParaRPr>
+                    </a:p>
+                  </a:txBody>
+                  <a:tcPr marL="68580" marR="68580" marT="0" marB="0" anchor="ctr"/>
+                </a:tc>
+                <a:tc>
+                  <a:txBody>
+                    <a:bodyPr/>
+                    <a:lstStyle/>
+                    <a:p>
+                      <a:pPr marL="0" marR="0" algn="r">
+                        <a:lnSpc>
+                          <a:spcPct val="115000"/>
+                        </a:lnSpc>
+                        <a:spcAft>
+                          <a:spcPts val="800"/>
+                        </a:spcAft>
+                        <a:buNone/>
+                      </a:pPr>
+                      <a:r>
+                        <a:rPr lang="en-US" sz="1200" kern="0" dirty="0">
+                          <a:effectLst/>
+                        </a:rPr>
+                        <a:t>52343.1</a:t>
+                      </a:r>
+                      <a:endParaRPr lang="en-US" sz="1200" kern="100" dirty="0">
+                        <a:effectLst/>
+                        <a:latin typeface="Aptos" panose="020B0004020202020204" pitchFamily="34" charset="0"/>
+                        <a:ea typeface="Aptos" panose="020B0004020202020204" pitchFamily="34" charset="0"/>
+                        <a:cs typeface="Times New Roman" panose="02020603050405020304" pitchFamily="18" charset="0"/>
+                      </a:endParaRPr>
+                    </a:p>
+                  </a:txBody>
+                  <a:tcPr marL="68580" marR="68580" marT="0" marB="0" anchor="ctr"/>
+                </a:tc>
+                <a:tc>
+                  <a:txBody>
+                    <a:bodyPr/>
+                    <a:lstStyle/>
+                    <a:p>
+                      <a:pPr marL="0" marR="0" algn="r">
+                        <a:lnSpc>
+                          <a:spcPct val="115000"/>
+                        </a:lnSpc>
+                        <a:spcAft>
+                          <a:spcPts val="800"/>
+                        </a:spcAft>
+                        <a:buNone/>
+                      </a:pPr>
+                      <a:r>
+                        <a:rPr lang="en-US" sz="1200" kern="0" dirty="0">
+                          <a:effectLst/>
+                        </a:rPr>
+                        <a:t>0.51</a:t>
+                      </a:r>
+                      <a:endParaRPr lang="en-US" sz="1200" kern="100" dirty="0">
+                        <a:effectLst/>
+                        <a:latin typeface="Aptos" panose="020B0004020202020204" pitchFamily="34" charset="0"/>
+                        <a:ea typeface="Aptos" panose="020B0004020202020204" pitchFamily="34" charset="0"/>
+                        <a:cs typeface="Times New Roman" panose="02020603050405020304" pitchFamily="18" charset="0"/>
+                      </a:endParaRPr>
+                    </a:p>
+                  </a:txBody>
+                  <a:tcPr marL="68580" marR="68580" marT="0" marB="0" anchor="ctr"/>
+                </a:tc>
+                <a:tc>
+                  <a:txBody>
+                    <a:bodyPr/>
+                    <a:lstStyle/>
+                    <a:p>
+                      <a:pPr marL="0" marR="0" algn="r">
+                        <a:lnSpc>
+                          <a:spcPct val="115000"/>
+                        </a:lnSpc>
+                        <a:spcAft>
+                          <a:spcPts val="800"/>
+                        </a:spcAft>
+                        <a:buNone/>
+                      </a:pPr>
+                      <a:r>
+                        <a:rPr lang="en-US" sz="1200" kern="0">
+                          <a:effectLst/>
+                        </a:rPr>
+                        <a:t>26694.981</a:t>
+                      </a:r>
+                      <a:endParaRPr lang="en-US" sz="1200" kern="100">
+                        <a:effectLst/>
+                        <a:latin typeface="Aptos" panose="020B0004020202020204" pitchFamily="34" charset="0"/>
+                        <a:ea typeface="Aptos" panose="020B0004020202020204" pitchFamily="34" charset="0"/>
+                        <a:cs typeface="Times New Roman" panose="02020603050405020304" pitchFamily="18" charset="0"/>
+                      </a:endParaRPr>
+                    </a:p>
+                  </a:txBody>
+                  <a:tcPr marL="68580" marR="68580" marT="0" marB="0" anchor="ctr"/>
+                </a:tc>
+                <a:extLst>
+                  <a:ext uri="{0D108BD9-81ED-4DB2-BD59-A6C34878D82A}">
+                    <a16:rowId xmlns:a16="http://schemas.microsoft.com/office/drawing/2014/main" val="2470566421"/>
+                  </a:ext>
+                </a:extLst>
+              </a:tr>
+              <a:tr h="623925">
+                <a:tc>
+                  <a:txBody>
+                    <a:bodyPr/>
+                    <a:lstStyle/>
+                    <a:p>
+                      <a:pPr marL="0" marR="0">
+                        <a:lnSpc>
+                          <a:spcPct val="115000"/>
+                        </a:lnSpc>
+                        <a:spcAft>
+                          <a:spcPts val="800"/>
+                        </a:spcAft>
+                        <a:buNone/>
+                      </a:pPr>
+                      <a:r>
+                        <a:rPr lang="en-US" sz="1200" kern="0" dirty="0">
+                          <a:effectLst/>
+                        </a:rPr>
+                        <a:t>Yard Crane</a:t>
+                      </a:r>
+                      <a:endParaRPr lang="en-US" sz="1200" kern="100" dirty="0">
+                        <a:effectLst/>
+                        <a:latin typeface="Aptos" panose="020B0004020202020204" pitchFamily="34" charset="0"/>
+                        <a:ea typeface="Aptos" panose="020B0004020202020204" pitchFamily="34" charset="0"/>
+                        <a:cs typeface="Times New Roman" panose="02020603050405020304" pitchFamily="18" charset="0"/>
+                      </a:endParaRPr>
+                    </a:p>
+                  </a:txBody>
+                  <a:tcPr marL="68580" marR="68580" marT="0" marB="0" anchor="ctr"/>
+                </a:tc>
+                <a:tc>
+                  <a:txBody>
+                    <a:bodyPr/>
+                    <a:lstStyle/>
+                    <a:p>
+                      <a:pPr marL="0" marR="0" algn="r">
+                        <a:lnSpc>
+                          <a:spcPct val="115000"/>
+                        </a:lnSpc>
+                        <a:spcAft>
+                          <a:spcPts val="800"/>
+                        </a:spcAft>
+                        <a:buNone/>
+                      </a:pPr>
+                      <a:r>
+                        <a:rPr lang="en-US" sz="1200" kern="0" dirty="0">
+                          <a:effectLst/>
+                        </a:rPr>
+                        <a:t>122215.458</a:t>
+                      </a:r>
+                      <a:endParaRPr lang="en-US" sz="1200" kern="100" dirty="0">
+                        <a:effectLst/>
+                        <a:latin typeface="Aptos" panose="020B0004020202020204" pitchFamily="34" charset="0"/>
+                        <a:ea typeface="Aptos" panose="020B0004020202020204" pitchFamily="34" charset="0"/>
+                        <a:cs typeface="Times New Roman" panose="02020603050405020304" pitchFamily="18" charset="0"/>
+                      </a:endParaRPr>
+                    </a:p>
+                  </a:txBody>
+                  <a:tcPr marL="68580" marR="68580" marT="0" marB="0" anchor="ctr"/>
+                </a:tc>
+                <a:tc>
+                  <a:txBody>
+                    <a:bodyPr/>
+                    <a:lstStyle/>
+                    <a:p>
+                      <a:pPr marL="0" marR="0" algn="r">
+                        <a:lnSpc>
+                          <a:spcPct val="115000"/>
+                        </a:lnSpc>
+                        <a:spcAft>
+                          <a:spcPts val="800"/>
+                        </a:spcAft>
+                        <a:buNone/>
+                      </a:pPr>
+                      <a:r>
+                        <a:rPr lang="en-US" sz="1200" kern="0" dirty="0">
+                          <a:effectLst/>
+                        </a:rPr>
+                        <a:t>0.036</a:t>
+                      </a:r>
+                      <a:endParaRPr lang="en-US" sz="1200" kern="100" dirty="0">
+                        <a:effectLst/>
+                        <a:latin typeface="Aptos" panose="020B0004020202020204" pitchFamily="34" charset="0"/>
+                        <a:ea typeface="Aptos" panose="020B0004020202020204" pitchFamily="34" charset="0"/>
+                        <a:cs typeface="Times New Roman" panose="02020603050405020304" pitchFamily="18" charset="0"/>
+                      </a:endParaRPr>
+                    </a:p>
+                  </a:txBody>
+                  <a:tcPr marL="68580" marR="68580" marT="0" marB="0" anchor="ctr"/>
+                </a:tc>
+                <a:tc>
+                  <a:txBody>
+                    <a:bodyPr/>
+                    <a:lstStyle/>
+                    <a:p>
+                      <a:pPr marL="0" marR="0" algn="r">
+                        <a:lnSpc>
+                          <a:spcPct val="115000"/>
+                        </a:lnSpc>
+                        <a:spcAft>
+                          <a:spcPts val="800"/>
+                        </a:spcAft>
+                        <a:buNone/>
+                      </a:pPr>
+                      <a:r>
+                        <a:rPr lang="en-US" sz="1200" kern="0" dirty="0">
+                          <a:effectLst/>
+                        </a:rPr>
+                        <a:t>4399.7565</a:t>
+                      </a:r>
+                      <a:endParaRPr lang="en-US" sz="1200" kern="100" dirty="0">
+                        <a:effectLst/>
+                        <a:latin typeface="Aptos" panose="020B0004020202020204" pitchFamily="34" charset="0"/>
+                        <a:ea typeface="Aptos" panose="020B0004020202020204" pitchFamily="34" charset="0"/>
+                        <a:cs typeface="Times New Roman" panose="02020603050405020304" pitchFamily="18" charset="0"/>
+                      </a:endParaRPr>
+                    </a:p>
+                  </a:txBody>
+                  <a:tcPr marL="68580" marR="68580" marT="0" marB="0" anchor="ctr"/>
+                </a:tc>
+                <a:extLst>
+                  <a:ext uri="{0D108BD9-81ED-4DB2-BD59-A6C34878D82A}">
+                    <a16:rowId xmlns:a16="http://schemas.microsoft.com/office/drawing/2014/main" val="3400758715"/>
+                  </a:ext>
+                </a:extLst>
+              </a:tr>
+              <a:tr h="623925">
+                <a:tc>
+                  <a:txBody>
+                    <a:bodyPr/>
+                    <a:lstStyle/>
+                    <a:p>
+                      <a:pPr marL="0" marR="0">
+                        <a:lnSpc>
+                          <a:spcPct val="115000"/>
+                        </a:lnSpc>
+                        <a:spcAft>
+                          <a:spcPts val="800"/>
+                        </a:spcAft>
+                        <a:buNone/>
+                      </a:pPr>
+                      <a:r>
+                        <a:rPr lang="en-US" sz="1200" kern="0" dirty="0">
+                          <a:effectLst/>
+                        </a:rPr>
+                        <a:t>Container Moves</a:t>
+                      </a:r>
+                      <a:endParaRPr lang="en-US" sz="1200" kern="100" dirty="0">
+                        <a:effectLst/>
+                        <a:latin typeface="Aptos" panose="020B0004020202020204" pitchFamily="34" charset="0"/>
+                        <a:ea typeface="Aptos" panose="020B0004020202020204" pitchFamily="34" charset="0"/>
+                        <a:cs typeface="Times New Roman" panose="02020603050405020304" pitchFamily="18" charset="0"/>
+                      </a:endParaRPr>
+                    </a:p>
+                  </a:txBody>
+                  <a:tcPr marL="68580" marR="68580" marT="0" marB="0" anchor="ctr"/>
+                </a:tc>
+                <a:tc>
+                  <a:txBody>
+                    <a:bodyPr/>
+                    <a:lstStyle/>
+                    <a:p>
+                      <a:pPr marL="0" marR="0" algn="r">
+                        <a:lnSpc>
+                          <a:spcPct val="115000"/>
+                        </a:lnSpc>
+                        <a:spcAft>
+                          <a:spcPts val="800"/>
+                        </a:spcAft>
+                        <a:buNone/>
+                      </a:pPr>
+                      <a:r>
+                        <a:rPr lang="en-US" sz="1200" kern="0">
+                          <a:effectLst/>
+                        </a:rPr>
+                        <a:t>1543655</a:t>
+                      </a:r>
+                      <a:endParaRPr lang="en-US" sz="1200" kern="100">
+                        <a:effectLst/>
+                        <a:latin typeface="Aptos" panose="020B0004020202020204" pitchFamily="34" charset="0"/>
+                        <a:ea typeface="Aptos" panose="020B0004020202020204" pitchFamily="34" charset="0"/>
+                        <a:cs typeface="Times New Roman" panose="02020603050405020304" pitchFamily="18" charset="0"/>
+                      </a:endParaRPr>
+                    </a:p>
+                  </a:txBody>
+                  <a:tcPr marL="68580" marR="68580" marT="0" marB="0" anchor="ctr"/>
+                </a:tc>
+                <a:tc>
+                  <a:txBody>
+                    <a:bodyPr/>
+                    <a:lstStyle/>
+                    <a:p>
+                      <a:pPr marL="0" marR="0" algn="r">
+                        <a:lnSpc>
+                          <a:spcPct val="115000"/>
+                        </a:lnSpc>
+                        <a:spcAft>
+                          <a:spcPts val="800"/>
+                        </a:spcAft>
+                        <a:buNone/>
+                      </a:pPr>
+                      <a:r>
+                        <a:rPr lang="en-US" sz="1200" kern="0">
+                          <a:effectLst/>
+                        </a:rPr>
+                        <a:t>0.0055</a:t>
+                      </a:r>
+                      <a:endParaRPr lang="en-US" sz="1200" kern="100">
+                        <a:effectLst/>
+                        <a:latin typeface="Aptos" panose="020B0004020202020204" pitchFamily="34" charset="0"/>
+                        <a:ea typeface="Aptos" panose="020B0004020202020204" pitchFamily="34" charset="0"/>
+                        <a:cs typeface="Times New Roman" panose="02020603050405020304" pitchFamily="18" charset="0"/>
+                      </a:endParaRPr>
+                    </a:p>
+                  </a:txBody>
+                  <a:tcPr marL="68580" marR="68580" marT="0" marB="0" anchor="ctr"/>
+                </a:tc>
+                <a:tc>
+                  <a:txBody>
+                    <a:bodyPr/>
+                    <a:lstStyle/>
+                    <a:p>
+                      <a:pPr marL="0" marR="0" algn="r">
+                        <a:lnSpc>
+                          <a:spcPct val="115000"/>
+                        </a:lnSpc>
+                        <a:spcAft>
+                          <a:spcPts val="800"/>
+                        </a:spcAft>
+                        <a:buNone/>
+                      </a:pPr>
+                      <a:r>
+                        <a:rPr lang="en-US" sz="1200" kern="0">
+                          <a:effectLst/>
+                        </a:rPr>
+                        <a:t>8490.1025</a:t>
+                      </a:r>
+                      <a:endParaRPr lang="en-US" sz="1200" kern="100">
+                        <a:effectLst/>
+                        <a:latin typeface="Aptos" panose="020B0004020202020204" pitchFamily="34" charset="0"/>
+                        <a:ea typeface="Aptos" panose="020B0004020202020204" pitchFamily="34" charset="0"/>
+                        <a:cs typeface="Times New Roman" panose="02020603050405020304" pitchFamily="18" charset="0"/>
+                      </a:endParaRPr>
+                    </a:p>
+                  </a:txBody>
+                  <a:tcPr marL="68580" marR="68580" marT="0" marB="0" anchor="ctr"/>
+                </a:tc>
+                <a:extLst>
+                  <a:ext uri="{0D108BD9-81ED-4DB2-BD59-A6C34878D82A}">
+                    <a16:rowId xmlns:a16="http://schemas.microsoft.com/office/drawing/2014/main" val="1479687298"/>
+                  </a:ext>
+                </a:extLst>
+              </a:tr>
+              <a:tr h="310217">
+                <a:tc>
+                  <a:txBody>
+                    <a:bodyPr/>
+                    <a:lstStyle/>
+                    <a:p>
+                      <a:pPr marL="0" marR="0">
+                        <a:lnSpc>
+                          <a:spcPct val="115000"/>
+                        </a:lnSpc>
+                        <a:spcAft>
+                          <a:spcPts val="800"/>
+                        </a:spcAft>
+                        <a:buNone/>
+                      </a:pPr>
+                      <a:r>
+                        <a:rPr lang="en-US" sz="1200" kern="0" dirty="0">
+                          <a:effectLst/>
+                        </a:rPr>
+                        <a:t>Truck Entry</a:t>
+                      </a:r>
+                      <a:endParaRPr lang="en-US" sz="1200" kern="100" dirty="0">
+                        <a:effectLst/>
+                        <a:latin typeface="Aptos" panose="020B0004020202020204" pitchFamily="34" charset="0"/>
+                        <a:ea typeface="Aptos" panose="020B0004020202020204" pitchFamily="34" charset="0"/>
+                        <a:cs typeface="Times New Roman" panose="02020603050405020304" pitchFamily="18" charset="0"/>
+                      </a:endParaRPr>
+                    </a:p>
+                  </a:txBody>
+                  <a:tcPr marL="68580" marR="68580" marT="0" marB="0" anchor="ctr"/>
+                </a:tc>
+                <a:tc>
+                  <a:txBody>
+                    <a:bodyPr/>
+                    <a:lstStyle/>
+                    <a:p>
+                      <a:pPr marL="0" marR="0" algn="r">
+                        <a:lnSpc>
+                          <a:spcPct val="115000"/>
+                        </a:lnSpc>
+                        <a:spcAft>
+                          <a:spcPts val="800"/>
+                        </a:spcAft>
+                        <a:buNone/>
+                      </a:pPr>
+                      <a:r>
+                        <a:rPr lang="en-US" sz="1200" kern="0">
+                          <a:effectLst/>
+                        </a:rPr>
+                        <a:t>47753</a:t>
+                      </a:r>
+                      <a:endParaRPr lang="en-US" sz="1200" kern="100">
+                        <a:effectLst/>
+                        <a:latin typeface="Aptos" panose="020B0004020202020204" pitchFamily="34" charset="0"/>
+                        <a:ea typeface="Aptos" panose="020B0004020202020204" pitchFamily="34" charset="0"/>
+                        <a:cs typeface="Times New Roman" panose="02020603050405020304" pitchFamily="18" charset="0"/>
+                      </a:endParaRPr>
+                    </a:p>
+                  </a:txBody>
+                  <a:tcPr marL="68580" marR="68580" marT="0" marB="0" anchor="ctr"/>
+                </a:tc>
+                <a:tc>
+                  <a:txBody>
+                    <a:bodyPr/>
+                    <a:lstStyle/>
+                    <a:p>
+                      <a:pPr marL="0" marR="0" algn="r">
+                        <a:lnSpc>
+                          <a:spcPct val="115000"/>
+                        </a:lnSpc>
+                        <a:spcAft>
+                          <a:spcPts val="800"/>
+                        </a:spcAft>
+                        <a:buNone/>
+                      </a:pPr>
+                      <a:r>
+                        <a:rPr lang="en-US" sz="1200" kern="0">
+                          <a:effectLst/>
+                        </a:rPr>
+                        <a:t>0.0038</a:t>
+                      </a:r>
+                      <a:endParaRPr lang="en-US" sz="1200" kern="100">
+                        <a:effectLst/>
+                        <a:latin typeface="Aptos" panose="020B0004020202020204" pitchFamily="34" charset="0"/>
+                        <a:ea typeface="Aptos" panose="020B0004020202020204" pitchFamily="34" charset="0"/>
+                        <a:cs typeface="Times New Roman" panose="02020603050405020304" pitchFamily="18" charset="0"/>
+                      </a:endParaRPr>
+                    </a:p>
+                  </a:txBody>
+                  <a:tcPr marL="68580" marR="68580" marT="0" marB="0" anchor="ctr"/>
+                </a:tc>
+                <a:tc>
+                  <a:txBody>
+                    <a:bodyPr/>
+                    <a:lstStyle/>
+                    <a:p>
+                      <a:pPr marL="0" marR="0" algn="r">
+                        <a:lnSpc>
+                          <a:spcPct val="115000"/>
+                        </a:lnSpc>
+                        <a:spcAft>
+                          <a:spcPts val="800"/>
+                        </a:spcAft>
+                        <a:buNone/>
+                      </a:pPr>
+                      <a:r>
+                        <a:rPr lang="en-US" sz="1200" kern="0">
+                          <a:effectLst/>
+                        </a:rPr>
+                        <a:t>181.4614</a:t>
+                      </a:r>
+                      <a:endParaRPr lang="en-US" sz="1200" kern="100">
+                        <a:effectLst/>
+                        <a:latin typeface="Aptos" panose="020B0004020202020204" pitchFamily="34" charset="0"/>
+                        <a:ea typeface="Aptos" panose="020B0004020202020204" pitchFamily="34" charset="0"/>
+                        <a:cs typeface="Times New Roman" panose="02020603050405020304" pitchFamily="18" charset="0"/>
+                      </a:endParaRPr>
+                    </a:p>
+                  </a:txBody>
+                  <a:tcPr marL="68580" marR="68580" marT="0" marB="0" anchor="ctr"/>
+                </a:tc>
+                <a:extLst>
+                  <a:ext uri="{0D108BD9-81ED-4DB2-BD59-A6C34878D82A}">
+                    <a16:rowId xmlns:a16="http://schemas.microsoft.com/office/drawing/2014/main" val="2690073949"/>
+                  </a:ext>
+                </a:extLst>
+              </a:tr>
+              <a:tr h="310217">
+                <a:tc>
+                  <a:txBody>
+                    <a:bodyPr/>
+                    <a:lstStyle/>
+                    <a:p>
+                      <a:pPr marL="0" marR="0">
+                        <a:lnSpc>
+                          <a:spcPct val="115000"/>
+                        </a:lnSpc>
+                        <a:spcAft>
+                          <a:spcPts val="800"/>
+                        </a:spcAft>
+                        <a:buNone/>
+                      </a:pPr>
+                      <a:r>
+                        <a:rPr lang="en-US" sz="1200" kern="0" dirty="0">
+                          <a:effectLst/>
+                        </a:rPr>
+                        <a:t>Energy</a:t>
+                      </a:r>
+                      <a:endParaRPr lang="en-US" sz="1200" kern="100" dirty="0">
+                        <a:effectLst/>
+                        <a:latin typeface="Aptos" panose="020B0004020202020204" pitchFamily="34" charset="0"/>
+                        <a:ea typeface="Aptos" panose="020B0004020202020204" pitchFamily="34" charset="0"/>
+                        <a:cs typeface="Times New Roman" panose="02020603050405020304" pitchFamily="18" charset="0"/>
+                      </a:endParaRPr>
+                    </a:p>
+                  </a:txBody>
+                  <a:tcPr marL="68580" marR="68580" marT="0" marB="0" anchor="ctr"/>
+                </a:tc>
+                <a:tc>
+                  <a:txBody>
+                    <a:bodyPr/>
+                    <a:lstStyle/>
+                    <a:p>
+                      <a:pPr marL="0" marR="0" algn="r">
+                        <a:lnSpc>
+                          <a:spcPct val="115000"/>
+                        </a:lnSpc>
+                        <a:spcAft>
+                          <a:spcPts val="800"/>
+                        </a:spcAft>
+                        <a:buNone/>
+                      </a:pPr>
+                      <a:r>
+                        <a:rPr lang="en-US" sz="1200" kern="0">
+                          <a:effectLst/>
+                        </a:rPr>
+                        <a:t>47753</a:t>
+                      </a:r>
+                      <a:endParaRPr lang="en-US" sz="1200" kern="100">
+                        <a:effectLst/>
+                        <a:latin typeface="Aptos" panose="020B0004020202020204" pitchFamily="34" charset="0"/>
+                        <a:ea typeface="Aptos" panose="020B0004020202020204" pitchFamily="34" charset="0"/>
+                        <a:cs typeface="Times New Roman" panose="02020603050405020304" pitchFamily="18" charset="0"/>
+                      </a:endParaRPr>
+                    </a:p>
+                  </a:txBody>
+                  <a:tcPr marL="68580" marR="68580" marT="0" marB="0" anchor="ctr"/>
+                </a:tc>
+                <a:tc>
+                  <a:txBody>
+                    <a:bodyPr/>
+                    <a:lstStyle/>
+                    <a:p>
+                      <a:pPr marL="0" marR="0" algn="r">
+                        <a:lnSpc>
+                          <a:spcPct val="115000"/>
+                        </a:lnSpc>
+                        <a:spcAft>
+                          <a:spcPts val="800"/>
+                        </a:spcAft>
+                        <a:buNone/>
+                      </a:pPr>
+                      <a:r>
+                        <a:rPr lang="en-US" sz="1200" kern="0">
+                          <a:effectLst/>
+                        </a:rPr>
+                        <a:t>0.000078</a:t>
+                      </a:r>
+                      <a:endParaRPr lang="en-US" sz="1200" kern="100">
+                        <a:effectLst/>
+                        <a:latin typeface="Aptos" panose="020B0004020202020204" pitchFamily="34" charset="0"/>
+                        <a:ea typeface="Aptos" panose="020B0004020202020204" pitchFamily="34" charset="0"/>
+                        <a:cs typeface="Times New Roman" panose="02020603050405020304" pitchFamily="18" charset="0"/>
+                      </a:endParaRPr>
+                    </a:p>
+                  </a:txBody>
+                  <a:tcPr marL="68580" marR="68580" marT="0" marB="0" anchor="ctr"/>
+                </a:tc>
+                <a:tc>
+                  <a:txBody>
+                    <a:bodyPr/>
+                    <a:lstStyle/>
+                    <a:p>
+                      <a:pPr marL="0" marR="0" algn="r">
+                        <a:lnSpc>
+                          <a:spcPct val="115000"/>
+                        </a:lnSpc>
+                        <a:spcAft>
+                          <a:spcPts val="800"/>
+                        </a:spcAft>
+                        <a:buNone/>
+                      </a:pPr>
+                      <a:r>
+                        <a:rPr lang="en-US" sz="1200" kern="0" dirty="0">
+                          <a:effectLst/>
+                        </a:rPr>
+                        <a:t>3.724734</a:t>
+                      </a:r>
+                      <a:endParaRPr lang="en-US" sz="1200" kern="100" dirty="0">
+                        <a:effectLst/>
+                        <a:latin typeface="Aptos" panose="020B0004020202020204" pitchFamily="34" charset="0"/>
+                        <a:ea typeface="Aptos" panose="020B0004020202020204" pitchFamily="34" charset="0"/>
+                        <a:cs typeface="Times New Roman" panose="02020603050405020304" pitchFamily="18" charset="0"/>
+                      </a:endParaRPr>
+                    </a:p>
+                  </a:txBody>
+                  <a:tcPr marL="68580" marR="68580" marT="0" marB="0" anchor="ctr"/>
+                </a:tc>
+                <a:extLst>
+                  <a:ext uri="{0D108BD9-81ED-4DB2-BD59-A6C34878D82A}">
+                    <a16:rowId xmlns:a16="http://schemas.microsoft.com/office/drawing/2014/main" val="1203592061"/>
+                  </a:ext>
+                </a:extLst>
+              </a:tr>
+            </a:tbl>
+          </a:graphicData>
+        </a:graphic>
+      </p:graphicFrame>
+      <p:pic>
+        <p:nvPicPr>
+          <p:cNvPr id="7" name="Content Placeholder 6" descr="A pie chart with a number of different colored circles&#10;&#10;AI-generated content may be incorrect.">
+            <a:extLst>
+              <a:ext uri="{FF2B5EF4-FFF2-40B4-BE49-F238E27FC236}">
+                <a16:creationId xmlns:a16="http://schemas.microsoft.com/office/drawing/2014/main" id="{D11346FE-8033-6EFB-14B8-68D930DAF74F}"/>
+              </a:ext>
+            </a:extLst>
+          </p:cNvPr>
+          <p:cNvPicPr>
+            <a:picLocks noGrp="1" noChangeAspect="1"/>
+          </p:cNvPicPr>
+          <p:nvPr>
+            <p:ph sz="half" idx="2"/>
+          </p:nvPr>
+        </p:nvPicPr>
+        <p:blipFill>
+          <a:blip r:embed="rId2"/>
+          <a:stretch>
+            <a:fillRect/>
+          </a:stretch>
+        </p:blipFill>
+        <p:spPr>
+          <a:xfrm>
+            <a:off x="6944763" y="2900681"/>
+            <a:ext cx="4717151" cy="2840715"/>
+          </a:xfrm>
+        </p:spPr>
+      </p:pic>
+      <p:sp>
+        <p:nvSpPr>
+          <p:cNvPr id="8" name="TextBox 7">
+            <a:extLst>
+              <a:ext uri="{FF2B5EF4-FFF2-40B4-BE49-F238E27FC236}">
+                <a16:creationId xmlns:a16="http://schemas.microsoft.com/office/drawing/2014/main" id="{9315DF4A-0EB2-9C45-11B7-AECD96B047E8}"/>
+              </a:ext>
+            </a:extLst>
+          </p:cNvPr>
+          <p:cNvSpPr txBox="1"/>
+          <p:nvPr/>
+        </p:nvSpPr>
+        <p:spPr>
+          <a:xfrm>
+            <a:off x="3509755" y="1890631"/>
+            <a:ext cx="6029740" cy="646331"/>
+          </a:xfrm>
+          <a:prstGeom prst="rect">
+            <a:avLst/>
+          </a:prstGeom>
+          <a:noFill/>
+        </p:spPr>
+        <p:txBody>
+          <a:bodyPr wrap="square" rtlCol="0">
+            <a:spAutoFit/>
+          </a:bodyPr>
+          <a:lstStyle/>
+          <a:p>
+            <a:r>
+              <a:rPr lang="en-US" sz="3600" dirty="0"/>
+              <a:t>Total Annual Cost: 39,770cr</a:t>
+            </a:r>
+          </a:p>
+        </p:txBody>
+      </p:sp>
+    </p:spTree>
+    <p:extLst>
+      <p:ext uri="{BB962C8B-B14F-4D97-AF65-F5344CB8AC3E}">
+        <p14:creationId xmlns:p14="http://schemas.microsoft.com/office/powerpoint/2010/main" val="173239333"/>
+      </p:ext>
+    </p:extLst>
+  </p:cSld>
+  <p:clrMapOvr>
+    <a:masterClrMapping/>
+  </p:clrMapOvr>
+  <mc:AlternateContent xmlns:mc="http://schemas.openxmlformats.org/markup-compatibility/2006">
+    <mc:Choice xmlns:p159="http://schemas.microsoft.com/office/powerpoint/2015/09/main" Requires="p159">
+      <p:transition xmlns:p14="http://schemas.microsoft.com/office/powerpoint/2010/main" spd="slow" p14:dur="2000">
+        <p159:morph option="byObject"/>
+      </p:transition>
+    </mc:Choice>
+    <mc:Fallback>
+      <p:transition spd="slow">
+        <p:fade/>
+      </p:transition>
+    </mc:Fallback>
+  </mc:AlternateContent>
+</p:sld>
+</file>
+
+<file path=ppt/slides/slide9.xml><?xml version="1.0" encoding="utf-8"?>
+<p:sld xmlns:a="http://schemas.openxmlformats.org/drawingml/2006/main" xmlns:r="http://schemas.openxmlformats.org/officeDocument/2006/relationships" xmlns:p="http://schemas.openxmlformats.org/presentationml/2006/main">
+  <p:cSld>
+    <p:bg>
+      <p:bgPr>
+        <a:solidFill>
+          <a:schemeClr val="bg2"/>
+        </a:solidFill>
+        <a:effectLst/>
+      </p:bgPr>
+    </p:bg>
+    <p:spTree>
+      <p:nvGrpSpPr>
+        <p:cNvPr id="1" name=""/>
+        <p:cNvGrpSpPr/>
+        <p:nvPr/>
+      </p:nvGrpSpPr>
+      <p:grpSpPr>
+        <a:xfrm>
+          <a:off x="0" y="0"/>
+          <a:ext cx="0" cy="0"/>
+          <a:chOff x="0" y="0"/>
+          <a:chExt cx="0" cy="0"/>
+        </a:xfrm>
+      </p:grpSpPr>
+      <p:sp>
+        <p:nvSpPr>
+          <p:cNvPr id="10" name="Rectangle 9">
+            <a:extLst>
+              <a:ext uri="{FF2B5EF4-FFF2-40B4-BE49-F238E27FC236}">
+                <a16:creationId xmlns:a16="http://schemas.microsoft.com/office/drawing/2014/main" id="{2793B903-AB42-42A0-AE97-93D366679CA2}"/>
+              </a:ext>
+              <a:ext uri="{C183D7F6-B498-43B3-948B-1728B52AA6E4}">
+                <adec:decorative xmlns:adec="http://schemas.microsoft.com/office/drawing/2017/decorative" val="1"/>
+              </a:ext>
+            </a:extLst>
+          </p:cNvPr>
+          <p:cNvSpPr>
+            <a:spLocks noGrp="1" noRot="1" noChangeAspect="1" noMove="1" noResize="1" noEditPoints="1" noAdjustHandles="1" noChangeArrowheads="1" noChangeShapeType="1" noTextEdit="1"/>
+          </p:cNvSpPr>
+          <p:nvPr>
+            <p:extLst>
+              <p:ext uri="{386F3935-93C4-4BCD-93E2-E3B085C9AB24}">
+                <p16:designElem xmlns:p16="http://schemas.microsoft.com/office/powerpoint/2015/main" val="1"/>
+              </p:ext>
+            </p:extLst>
+          </p:nvPr>
+        </p:nvSpPr>
+        <p:spPr>
+          <a:xfrm>
+            <a:off x="478095" y="376"/>
+            <a:ext cx="228600" cy="6858000"/>
+          </a:xfrm>
+          <a:prstGeom prst="rect">
+            <a:avLst/>
+          </a:prstGeom>
+          <a:solidFill>
+            <a:schemeClr val="tx2"/>
+          </a:solidFill>
+          <a:ln>
+            <a:noFill/>
+          </a:ln>
+        </p:spPr>
+        <p:style>
+          <a:lnRef idx="2">
+            <a:schemeClr val="accent1">
+              <a:shade val="50000"/>
+            </a:schemeClr>
+          </a:lnRef>
+          <a:fillRef idx="1">
+            <a:schemeClr val="accent1"/>
+          </a:fillRef>
+          <a:effectRef idx="0">
+            <a:schemeClr val="accent1"/>
+          </a:effectRef>
+          <a:fontRef idx="minor">
+            <a:schemeClr val="lt1"/>
+          </a:fontRef>
+        </p:style>
+        <p:txBody>
+          <a:bodyPr/>
+          <a:lstStyle/>
+          <a:p>
+            <a:endParaRPr lang="en-US"/>
+          </a:p>
+        </p:txBody>
+      </p:sp>
+      <p:sp useBgFill="1">
+        <p:nvSpPr>
+          <p:cNvPr id="12" name="Rectangle 11">
+            <a:extLst>
+              <a:ext uri="{FF2B5EF4-FFF2-40B4-BE49-F238E27FC236}">
+                <a16:creationId xmlns:a16="http://schemas.microsoft.com/office/drawing/2014/main" id="{1D868099-6145-4BC0-A5EA-74BEF1776BA9}"/>
+              </a:ext>
+              <a:ext uri="{C183D7F6-B498-43B3-948B-1728B52AA6E4}">
+                <adec:decorative xmlns:adec="http://schemas.microsoft.com/office/drawing/2017/decorative" val="1"/>
+              </a:ext>
+            </a:extLst>
+          </p:cNvPr>
+          <p:cNvSpPr>
+            <a:spLocks noGrp="1" noRot="1" noChangeAspect="1" noMove="1" noResize="1" noEditPoints="1" noAdjustHandles="1" noChangeArrowheads="1" noChangeShapeType="1" noTextEdit="1"/>
+          </p:cNvSpPr>
+          <p:nvPr>
+            <p:extLst>
+              <p:ext uri="{386F3935-93C4-4BCD-93E2-E3B085C9AB24}">
+                <p16:designElem xmlns:p16="http://schemas.microsoft.com/office/powerpoint/2015/main" val="1"/>
+              </p:ext>
+            </p:extLst>
+          </p:nvPr>
+        </p:nvSpPr>
+        <p:spPr>
+          <a:xfrm>
+            <a:off x="0" y="0"/>
+            <a:ext cx="12192000" cy="6858000"/>
+          </a:xfrm>
+          <a:prstGeom prst="rect">
+            <a:avLst/>
+          </a:prstGeom>
+          <a:ln>
+            <a:noFill/>
+          </a:ln>
+        </p:spPr>
+        <p:style>
+          <a:lnRef idx="2">
+            <a:schemeClr val="accent1">
+              <a:shade val="50000"/>
+            </a:schemeClr>
+          </a:lnRef>
+          <a:fillRef idx="1">
+            <a:schemeClr val="accent1"/>
+          </a:fillRef>
+          <a:effectRef idx="0">
+            <a:schemeClr val="accent1"/>
+          </a:effectRef>
+          <a:fontRef idx="minor">
+            <a:schemeClr val="lt1"/>
+          </a:fontRef>
+        </p:style>
+        <p:txBody>
+          <a:bodyPr rtlCol="0" anchor="ctr"/>
+          <a:lstStyle/>
+          <a:p>
+            <a:pPr algn="ctr"/>
+            <a:endParaRPr lang="en-US"/>
+          </a:p>
+        </p:txBody>
+      </p:sp>
+      <p:sp>
+        <p:nvSpPr>
+          <p:cNvPr id="2" name="Title 1">
+            <a:extLst>
+              <a:ext uri="{FF2B5EF4-FFF2-40B4-BE49-F238E27FC236}">
+                <a16:creationId xmlns:a16="http://schemas.microsoft.com/office/drawing/2014/main" id="{1E41BFC0-062C-83E3-08CB-95DD85796004}"/>
+              </a:ext>
+            </a:extLst>
+          </p:cNvPr>
+          <p:cNvSpPr>
+            <a:spLocks noGrp="1"/>
+          </p:cNvSpPr>
+          <p:nvPr>
+            <p:ph type="title"/>
+          </p:nvPr>
+        </p:nvSpPr>
+        <p:spPr>
+          <a:xfrm>
+            <a:off x="8471424" y="1110882"/>
+            <a:ext cx="3053039" cy="1060817"/>
+          </a:xfrm>
+        </p:spPr>
+        <p:txBody>
+          <a:bodyPr vert="horz" lIns="91440" tIns="45720" rIns="91440" bIns="45720" rtlCol="0" anchor="b">
+            <a:normAutofit/>
+          </a:bodyPr>
+          <a:lstStyle/>
+          <a:p>
+            <a:pPr>
+              <a:lnSpc>
+                <a:spcPct val="89000"/>
+              </a:lnSpc>
+            </a:pPr>
+            <a:r>
+              <a:rPr lang="en-US" sz="2800"/>
+              <a:t>Scenario Model</a:t>
+            </a:r>
+          </a:p>
+        </p:txBody>
+      </p:sp>
+      <p:sp>
+        <p:nvSpPr>
+          <p:cNvPr id="4" name="Text Placeholder 3">
+            <a:extLst>
+              <a:ext uri="{FF2B5EF4-FFF2-40B4-BE49-F238E27FC236}">
+                <a16:creationId xmlns:a16="http://schemas.microsoft.com/office/drawing/2014/main" id="{C653CCFD-2465-3A64-5334-3729A9581B84}"/>
+              </a:ext>
+            </a:extLst>
+          </p:cNvPr>
+          <p:cNvSpPr>
+            <a:spLocks noGrp="1"/>
+          </p:cNvSpPr>
+          <p:nvPr>
+            <p:ph type="body" sz="half" idx="2"/>
+          </p:nvPr>
+        </p:nvSpPr>
+        <p:spPr>
+          <a:xfrm>
+            <a:off x="8471423" y="2286000"/>
+            <a:ext cx="3053039" cy="3931920"/>
+          </a:xfrm>
+        </p:spPr>
+        <p:txBody>
+          <a:bodyPr vert="horz" lIns="91440" tIns="45720" rIns="91440" bIns="45720" rtlCol="0">
+            <a:normAutofit/>
+          </a:bodyPr>
+          <a:lstStyle/>
+          <a:p>
+            <a:pPr marL="384048" indent="-384048">
+              <a:lnSpc>
+                <a:spcPct val="94000"/>
+              </a:lnSpc>
+              <a:spcAft>
+                <a:spcPts val="200"/>
+              </a:spcAft>
+            </a:pPr>
+            <a:r>
+              <a:rPr lang="en-US" dirty="0"/>
+              <a:t>Based on these different parameters to modify vessel service time, crane downtime, and gate speed, we can recompute costs and determine percent saved.</a:t>
+            </a:r>
+          </a:p>
+        </p:txBody>
+      </p:sp>
+      <p:sp>
+        <p:nvSpPr>
+          <p:cNvPr id="14" name="Freeform 6">
+            <a:extLst>
+              <a:ext uri="{FF2B5EF4-FFF2-40B4-BE49-F238E27FC236}">
+                <a16:creationId xmlns:a16="http://schemas.microsoft.com/office/drawing/2014/main" id="{CC1026F7-DECB-49B4-A565-518BBA445471}"/>
+              </a:ext>
+              <a:ext uri="{C183D7F6-B498-43B3-948B-1728B52AA6E4}">
+                <adec:decorative xmlns:adec="http://schemas.microsoft.com/office/drawing/2017/decorative" val="1"/>
+              </a:ext>
+            </a:extLst>
+          </p:cNvPr>
+          <p:cNvSpPr>
+            <a:spLocks noGrp="1" noRot="1" noChangeAspect="1" noMove="1" noResize="1" noEditPoints="1" noAdjustHandles="1" noChangeArrowheads="1" noChangeShapeType="1" noTextEdit="1"/>
+          </p:cNvSpPr>
+          <p:nvPr>
+            <p:extLst>
+              <p:ext uri="{386F3935-93C4-4BCD-93E2-E3B085C9AB24}">
+                <p16:designElem xmlns:p16="http://schemas.microsoft.com/office/powerpoint/2015/main" val="1"/>
+              </p:ext>
+            </p:extLst>
+          </p:nvPr>
+        </p:nvSpPr>
+        <p:spPr bwMode="auto">
+          <a:xfrm flipH="1" flipV="1">
+            <a:off x="7983434" y="640080"/>
+            <a:ext cx="2296028" cy="3674981"/>
+          </a:xfrm>
+          <a:custGeom>
+            <a:avLst/>
+            <a:gdLst/>
+            <a:ahLst/>
+            <a:cxnLst/>
+            <a:rect l="l" t="t" r="r" b="b"/>
+            <a:pathLst>
+              <a:path w="10002" h="10000">
+                <a:moveTo>
+                  <a:pt x="8763" y="0"/>
+                </a:moveTo>
+                <a:lnTo>
+                  <a:pt x="10002" y="0"/>
+                </a:lnTo>
+                <a:lnTo>
+                  <a:pt x="10002" y="10000"/>
+                </a:lnTo>
+                <a:lnTo>
+                  <a:pt x="2" y="10000"/>
+                </a:lnTo>
+                <a:cubicBezTo>
+                  <a:pt x="-2" y="9698"/>
+                  <a:pt x="4" y="9427"/>
+                  <a:pt x="0" y="9125"/>
+                </a:cubicBezTo>
+                <a:lnTo>
+                  <a:pt x="8763" y="9128"/>
+                </a:lnTo>
+                <a:lnTo>
+                  <a:pt x="8763" y="0"/>
+                </a:lnTo>
+                <a:close/>
+              </a:path>
+            </a:pathLst>
+          </a:custGeom>
+          <a:solidFill>
+            <a:schemeClr val="tx2"/>
+          </a:solidFill>
+          <a:ln w="0">
+            <a:noFill/>
+            <a:prstDash val="solid"/>
+            <a:round/>
+            <a:headEnd/>
+            <a:tailEnd/>
+          </a:ln>
+        </p:spPr>
+        <p:txBody>
+          <a:bodyPr/>
+          <a:lstStyle/>
+          <a:p>
+            <a:endParaRPr lang="en-US"/>
+          </a:p>
+        </p:txBody>
+      </p:sp>
+      <p:graphicFrame>
+        <p:nvGraphicFramePr>
+          <p:cNvPr id="5" name="Content Placeholder 4">
+            <a:extLst>
+              <a:ext uri="{FF2B5EF4-FFF2-40B4-BE49-F238E27FC236}">
+                <a16:creationId xmlns:a16="http://schemas.microsoft.com/office/drawing/2014/main" id="{F741DB31-E6A3-D6EA-519D-FFBCBBB31D41}"/>
+              </a:ext>
+            </a:extLst>
+          </p:cNvPr>
+          <p:cNvGraphicFramePr>
+            <a:graphicFrameLocks noGrp="1"/>
+          </p:cNvGraphicFramePr>
+          <p:nvPr>
+            <p:ph idx="1"/>
+            <p:extLst>
+              <p:ext uri="{D42A27DB-BD31-4B8C-83A1-F6EECF244321}">
+                <p14:modId xmlns:p14="http://schemas.microsoft.com/office/powerpoint/2010/main" val="976673491"/>
+              </p:ext>
+            </p:extLst>
+          </p:nvPr>
+        </p:nvGraphicFramePr>
+        <p:xfrm>
+          <a:off x="706695" y="640080"/>
+          <a:ext cx="6900382" cy="1851685"/>
+        </p:xfrm>
+        <a:graphic>
+          <a:graphicData uri="http://schemas.openxmlformats.org/drawingml/2006/table">
+            <a:tbl>
+              <a:tblPr firstRow="1" firstCol="1" bandRow="1">
+                <a:tableStyleId>{5C22544A-7EE6-4342-B048-85BDC9FD1C3A}</a:tableStyleId>
+              </a:tblPr>
+              <a:tblGrid>
+                <a:gridCol w="1795217">
+                  <a:extLst>
+                    <a:ext uri="{9D8B030D-6E8A-4147-A177-3AD203B41FA5}">
+                      <a16:colId xmlns:a16="http://schemas.microsoft.com/office/drawing/2014/main" val="3648858965"/>
+                    </a:ext>
+                  </a:extLst>
+                </a:gridCol>
+                <a:gridCol w="2565318">
+                  <a:extLst>
+                    <a:ext uri="{9D8B030D-6E8A-4147-A177-3AD203B41FA5}">
+                      <a16:colId xmlns:a16="http://schemas.microsoft.com/office/drawing/2014/main" val="763354999"/>
+                    </a:ext>
+                  </a:extLst>
+                </a:gridCol>
+                <a:gridCol w="1458808">
+                  <a:extLst>
+                    <a:ext uri="{9D8B030D-6E8A-4147-A177-3AD203B41FA5}">
+                      <a16:colId xmlns:a16="http://schemas.microsoft.com/office/drawing/2014/main" val="3582760625"/>
+                    </a:ext>
+                  </a:extLst>
+                </a:gridCol>
+                <a:gridCol w="1081039">
+                  <a:extLst>
+                    <a:ext uri="{9D8B030D-6E8A-4147-A177-3AD203B41FA5}">
+                      <a16:colId xmlns:a16="http://schemas.microsoft.com/office/drawing/2014/main" val="1384275600"/>
+                    </a:ext>
+                  </a:extLst>
+                </a:gridCol>
+              </a:tblGrid>
+              <a:tr h="714070">
+                <a:tc>
+                  <a:txBody>
+                    <a:bodyPr/>
+                    <a:lstStyle/>
+                    <a:p>
+                      <a:pPr marL="0" marR="0">
+                        <a:lnSpc>
+                          <a:spcPct val="115000"/>
+                        </a:lnSpc>
+                        <a:spcAft>
+                          <a:spcPts val="800"/>
+                        </a:spcAft>
+                        <a:buNone/>
+                      </a:pPr>
+                      <a:r>
+                        <a:rPr lang="en-US" sz="1900" kern="100">
+                          <a:effectLst/>
+                        </a:rPr>
+                        <a:t>Scenario Name</a:t>
+                      </a:r>
+                      <a:endParaRPr lang="en-US" sz="1900" kern="100">
+                        <a:effectLst/>
+                        <a:latin typeface="Aptos" panose="020B0004020202020204" pitchFamily="34" charset="0"/>
+                        <a:ea typeface="Aptos" panose="020B0004020202020204" pitchFamily="34" charset="0"/>
+                        <a:cs typeface="Times New Roman" panose="02020603050405020304" pitchFamily="18" charset="0"/>
+                      </a:endParaRPr>
+                    </a:p>
+                  </a:txBody>
+                  <a:tcPr marL="104566" marR="104566" marT="0" marB="0"/>
+                </a:tc>
+                <a:tc>
+                  <a:txBody>
+                    <a:bodyPr/>
+                    <a:lstStyle/>
+                    <a:p>
+                      <a:pPr marL="0" marR="0">
+                        <a:lnSpc>
+                          <a:spcPct val="115000"/>
+                        </a:lnSpc>
+                        <a:spcAft>
+                          <a:spcPts val="800"/>
+                        </a:spcAft>
+                        <a:buNone/>
+                      </a:pPr>
+                      <a:r>
+                        <a:rPr lang="en-US" sz="1900" kern="100">
+                          <a:effectLst/>
+                        </a:rPr>
+                        <a:t>Vessel Service Time</a:t>
+                      </a:r>
+                      <a:endParaRPr lang="en-US" sz="1900" kern="100">
+                        <a:effectLst/>
+                        <a:latin typeface="Aptos" panose="020B0004020202020204" pitchFamily="34" charset="0"/>
+                        <a:ea typeface="Aptos" panose="020B0004020202020204" pitchFamily="34" charset="0"/>
+                        <a:cs typeface="Times New Roman" panose="02020603050405020304" pitchFamily="18" charset="0"/>
+                      </a:endParaRPr>
+                    </a:p>
+                  </a:txBody>
+                  <a:tcPr marL="104566" marR="104566" marT="0" marB="0"/>
+                </a:tc>
+                <a:tc>
+                  <a:txBody>
+                    <a:bodyPr/>
+                    <a:lstStyle/>
+                    <a:p>
+                      <a:pPr marL="0" marR="0">
+                        <a:lnSpc>
+                          <a:spcPct val="115000"/>
+                        </a:lnSpc>
+                        <a:spcAft>
+                          <a:spcPts val="800"/>
+                        </a:spcAft>
+                        <a:buNone/>
+                      </a:pPr>
+                      <a:r>
+                        <a:rPr lang="en-US" sz="1900" kern="100">
+                          <a:effectLst/>
+                        </a:rPr>
+                        <a:t>Crane Downtime</a:t>
+                      </a:r>
+                      <a:endParaRPr lang="en-US" sz="1900" kern="100">
+                        <a:effectLst/>
+                        <a:latin typeface="Aptos" panose="020B0004020202020204" pitchFamily="34" charset="0"/>
+                        <a:ea typeface="Aptos" panose="020B0004020202020204" pitchFamily="34" charset="0"/>
+                        <a:cs typeface="Times New Roman" panose="02020603050405020304" pitchFamily="18" charset="0"/>
+                      </a:endParaRPr>
+                    </a:p>
+                  </a:txBody>
+                  <a:tcPr marL="104566" marR="104566" marT="0" marB="0"/>
+                </a:tc>
+                <a:tc>
+                  <a:txBody>
+                    <a:bodyPr/>
+                    <a:lstStyle/>
+                    <a:p>
+                      <a:pPr marL="0" marR="0">
+                        <a:lnSpc>
+                          <a:spcPct val="115000"/>
+                        </a:lnSpc>
+                        <a:spcAft>
+                          <a:spcPts val="800"/>
+                        </a:spcAft>
+                        <a:buNone/>
+                      </a:pPr>
+                      <a:r>
+                        <a:rPr lang="en-US" sz="1900" kern="100">
+                          <a:effectLst/>
+                        </a:rPr>
+                        <a:t>Gate Speed</a:t>
+                      </a:r>
+                      <a:endParaRPr lang="en-US" sz="1900" kern="100">
+                        <a:effectLst/>
+                        <a:latin typeface="Aptos" panose="020B0004020202020204" pitchFamily="34" charset="0"/>
+                        <a:ea typeface="Aptos" panose="020B0004020202020204" pitchFamily="34" charset="0"/>
+                        <a:cs typeface="Times New Roman" panose="02020603050405020304" pitchFamily="18" charset="0"/>
+                      </a:endParaRPr>
+                    </a:p>
+                  </a:txBody>
+                  <a:tcPr marL="104566" marR="104566" marT="0" marB="0"/>
+                </a:tc>
+                <a:extLst>
+                  <a:ext uri="{0D108BD9-81ED-4DB2-BD59-A6C34878D82A}">
+                    <a16:rowId xmlns:a16="http://schemas.microsoft.com/office/drawing/2014/main" val="2698039700"/>
+                  </a:ext>
+                </a:extLst>
+              </a:tr>
+              <a:tr h="379205">
+                <a:tc>
+                  <a:txBody>
+                    <a:bodyPr/>
+                    <a:lstStyle/>
+                    <a:p>
+                      <a:pPr marL="0" marR="0">
+                        <a:lnSpc>
+                          <a:spcPct val="115000"/>
+                        </a:lnSpc>
+                        <a:spcAft>
+                          <a:spcPts val="800"/>
+                        </a:spcAft>
+                        <a:buNone/>
+                      </a:pPr>
+                      <a:r>
+                        <a:rPr lang="en-US" sz="1900" kern="100">
+                          <a:effectLst/>
+                        </a:rPr>
+                        <a:t>Conservative</a:t>
+                      </a:r>
+                      <a:endParaRPr lang="en-US" sz="1900" kern="100">
+                        <a:effectLst/>
+                        <a:latin typeface="Aptos" panose="020B0004020202020204" pitchFamily="34" charset="0"/>
+                        <a:ea typeface="Aptos" panose="020B0004020202020204" pitchFamily="34" charset="0"/>
+                        <a:cs typeface="Times New Roman" panose="02020603050405020304" pitchFamily="18" charset="0"/>
+                      </a:endParaRPr>
+                    </a:p>
+                  </a:txBody>
+                  <a:tcPr marL="104566" marR="104566" marT="0" marB="0"/>
+                </a:tc>
+                <a:tc>
+                  <a:txBody>
+                    <a:bodyPr/>
+                    <a:lstStyle/>
+                    <a:p>
+                      <a:pPr marL="0" marR="0">
+                        <a:lnSpc>
+                          <a:spcPct val="115000"/>
+                        </a:lnSpc>
+                        <a:spcAft>
+                          <a:spcPts val="800"/>
+                        </a:spcAft>
+                        <a:buNone/>
+                      </a:pPr>
+                      <a:r>
+                        <a:rPr lang="en-US" sz="1900" kern="100">
+                          <a:effectLst/>
+                        </a:rPr>
+                        <a:t>.95</a:t>
+                      </a:r>
+                      <a:endParaRPr lang="en-US" sz="1900" kern="100">
+                        <a:effectLst/>
+                        <a:latin typeface="Aptos" panose="020B0004020202020204" pitchFamily="34" charset="0"/>
+                        <a:ea typeface="Aptos" panose="020B0004020202020204" pitchFamily="34" charset="0"/>
+                        <a:cs typeface="Times New Roman" panose="02020603050405020304" pitchFamily="18" charset="0"/>
+                      </a:endParaRPr>
+                    </a:p>
+                  </a:txBody>
+                  <a:tcPr marL="104566" marR="104566" marT="0" marB="0"/>
+                </a:tc>
+                <a:tc>
+                  <a:txBody>
+                    <a:bodyPr/>
+                    <a:lstStyle/>
+                    <a:p>
+                      <a:pPr marL="0" marR="0">
+                        <a:lnSpc>
+                          <a:spcPct val="115000"/>
+                        </a:lnSpc>
+                        <a:spcAft>
+                          <a:spcPts val="800"/>
+                        </a:spcAft>
+                        <a:buNone/>
+                      </a:pPr>
+                      <a:r>
+                        <a:rPr lang="en-US" sz="1900" kern="100">
+                          <a:effectLst/>
+                        </a:rPr>
+                        <a:t>.96</a:t>
+                      </a:r>
+                      <a:endParaRPr lang="en-US" sz="1900" kern="100">
+                        <a:effectLst/>
+                        <a:latin typeface="Aptos" panose="020B0004020202020204" pitchFamily="34" charset="0"/>
+                        <a:ea typeface="Aptos" panose="020B0004020202020204" pitchFamily="34" charset="0"/>
+                        <a:cs typeface="Times New Roman" panose="02020603050405020304" pitchFamily="18" charset="0"/>
+                      </a:endParaRPr>
+                    </a:p>
+                  </a:txBody>
+                  <a:tcPr marL="104566" marR="104566" marT="0" marB="0"/>
+                </a:tc>
+                <a:tc>
+                  <a:txBody>
+                    <a:bodyPr/>
+                    <a:lstStyle/>
+                    <a:p>
+                      <a:pPr marL="0" marR="0">
+                        <a:lnSpc>
+                          <a:spcPct val="115000"/>
+                        </a:lnSpc>
+                        <a:spcAft>
+                          <a:spcPts val="800"/>
+                        </a:spcAft>
+                        <a:buNone/>
+                      </a:pPr>
+                      <a:r>
+                        <a:rPr lang="en-US" sz="1900" kern="100">
+                          <a:effectLst/>
+                        </a:rPr>
+                        <a:t>1.03</a:t>
+                      </a:r>
+                      <a:endParaRPr lang="en-US" sz="1900" kern="100">
+                        <a:effectLst/>
+                        <a:latin typeface="Aptos" panose="020B0004020202020204" pitchFamily="34" charset="0"/>
+                        <a:ea typeface="Aptos" panose="020B0004020202020204" pitchFamily="34" charset="0"/>
+                        <a:cs typeface="Times New Roman" panose="02020603050405020304" pitchFamily="18" charset="0"/>
+                      </a:endParaRPr>
+                    </a:p>
+                  </a:txBody>
+                  <a:tcPr marL="104566" marR="104566" marT="0" marB="0"/>
+                </a:tc>
+                <a:extLst>
+                  <a:ext uri="{0D108BD9-81ED-4DB2-BD59-A6C34878D82A}">
+                    <a16:rowId xmlns:a16="http://schemas.microsoft.com/office/drawing/2014/main" val="117057924"/>
+                  </a:ext>
+                </a:extLst>
+              </a:tr>
+              <a:tr h="379205">
+                <a:tc>
+                  <a:txBody>
+                    <a:bodyPr/>
+                    <a:lstStyle/>
+                    <a:p>
+                      <a:pPr marL="0" marR="0">
+                        <a:lnSpc>
+                          <a:spcPct val="115000"/>
+                        </a:lnSpc>
+                        <a:spcAft>
+                          <a:spcPts val="800"/>
+                        </a:spcAft>
+                        <a:buNone/>
+                      </a:pPr>
+                      <a:r>
+                        <a:rPr lang="en-US" sz="1900" kern="100">
+                          <a:effectLst/>
+                        </a:rPr>
+                        <a:t>Moderate</a:t>
+                      </a:r>
+                      <a:endParaRPr lang="en-US" sz="1900" kern="100">
+                        <a:effectLst/>
+                        <a:latin typeface="Aptos" panose="020B0004020202020204" pitchFamily="34" charset="0"/>
+                        <a:ea typeface="Aptos" panose="020B0004020202020204" pitchFamily="34" charset="0"/>
+                        <a:cs typeface="Times New Roman" panose="02020603050405020304" pitchFamily="18" charset="0"/>
+                      </a:endParaRPr>
+                    </a:p>
+                  </a:txBody>
+                  <a:tcPr marL="104566" marR="104566" marT="0" marB="0"/>
+                </a:tc>
+                <a:tc>
+                  <a:txBody>
+                    <a:bodyPr/>
+                    <a:lstStyle/>
+                    <a:p>
+                      <a:pPr marL="0" marR="0">
+                        <a:lnSpc>
+                          <a:spcPct val="115000"/>
+                        </a:lnSpc>
+                        <a:spcAft>
+                          <a:spcPts val="800"/>
+                        </a:spcAft>
+                        <a:buNone/>
+                      </a:pPr>
+                      <a:r>
+                        <a:rPr lang="en-US" sz="1900" kern="100">
+                          <a:effectLst/>
+                        </a:rPr>
+                        <a:t>.90</a:t>
+                      </a:r>
+                      <a:endParaRPr lang="en-US" sz="1900" kern="100">
+                        <a:effectLst/>
+                        <a:latin typeface="Aptos" panose="020B0004020202020204" pitchFamily="34" charset="0"/>
+                        <a:ea typeface="Aptos" panose="020B0004020202020204" pitchFamily="34" charset="0"/>
+                        <a:cs typeface="Times New Roman" panose="02020603050405020304" pitchFamily="18" charset="0"/>
+                      </a:endParaRPr>
+                    </a:p>
+                  </a:txBody>
+                  <a:tcPr marL="104566" marR="104566" marT="0" marB="0"/>
+                </a:tc>
+                <a:tc>
+                  <a:txBody>
+                    <a:bodyPr/>
+                    <a:lstStyle/>
+                    <a:p>
+                      <a:pPr marL="0" marR="0">
+                        <a:lnSpc>
+                          <a:spcPct val="115000"/>
+                        </a:lnSpc>
+                        <a:spcAft>
+                          <a:spcPts val="800"/>
+                        </a:spcAft>
+                        <a:buNone/>
+                      </a:pPr>
+                      <a:r>
+                        <a:rPr lang="en-US" sz="1900" kern="100">
+                          <a:effectLst/>
+                        </a:rPr>
+                        <a:t>.92</a:t>
+                      </a:r>
+                      <a:endParaRPr lang="en-US" sz="1900" kern="100">
+                        <a:effectLst/>
+                        <a:latin typeface="Aptos" panose="020B0004020202020204" pitchFamily="34" charset="0"/>
+                        <a:ea typeface="Aptos" panose="020B0004020202020204" pitchFamily="34" charset="0"/>
+                        <a:cs typeface="Times New Roman" panose="02020603050405020304" pitchFamily="18" charset="0"/>
+                      </a:endParaRPr>
+                    </a:p>
+                  </a:txBody>
+                  <a:tcPr marL="104566" marR="104566" marT="0" marB="0"/>
+                </a:tc>
+                <a:tc>
+                  <a:txBody>
+                    <a:bodyPr/>
+                    <a:lstStyle/>
+                    <a:p>
+                      <a:pPr marL="0" marR="0">
+                        <a:lnSpc>
+                          <a:spcPct val="115000"/>
+                        </a:lnSpc>
+                        <a:spcAft>
+                          <a:spcPts val="800"/>
+                        </a:spcAft>
+                        <a:buNone/>
+                      </a:pPr>
+                      <a:r>
+                        <a:rPr lang="en-US" sz="1900" kern="100">
+                          <a:effectLst/>
+                        </a:rPr>
+                        <a:t>1.06</a:t>
+                      </a:r>
+                      <a:endParaRPr lang="en-US" sz="1900" kern="100">
+                        <a:effectLst/>
+                        <a:latin typeface="Aptos" panose="020B0004020202020204" pitchFamily="34" charset="0"/>
+                        <a:ea typeface="Aptos" panose="020B0004020202020204" pitchFamily="34" charset="0"/>
+                        <a:cs typeface="Times New Roman" panose="02020603050405020304" pitchFamily="18" charset="0"/>
+                      </a:endParaRPr>
+                    </a:p>
+                  </a:txBody>
+                  <a:tcPr marL="104566" marR="104566" marT="0" marB="0"/>
+                </a:tc>
+                <a:extLst>
+                  <a:ext uri="{0D108BD9-81ED-4DB2-BD59-A6C34878D82A}">
+                    <a16:rowId xmlns:a16="http://schemas.microsoft.com/office/drawing/2014/main" val="2659905188"/>
+                  </a:ext>
+                </a:extLst>
+              </a:tr>
+              <a:tr h="379205">
+                <a:tc>
+                  <a:txBody>
+                    <a:bodyPr/>
+                    <a:lstStyle/>
+                    <a:p>
+                      <a:pPr marL="0" marR="0">
+                        <a:lnSpc>
+                          <a:spcPct val="115000"/>
+                        </a:lnSpc>
+                        <a:spcAft>
+                          <a:spcPts val="800"/>
+                        </a:spcAft>
+                        <a:buNone/>
+                      </a:pPr>
+                      <a:r>
+                        <a:rPr lang="en-US" sz="1900" kern="100">
+                          <a:effectLst/>
+                        </a:rPr>
+                        <a:t>Aggressive</a:t>
+                      </a:r>
+                      <a:endParaRPr lang="en-US" sz="1900" kern="100">
+                        <a:effectLst/>
+                        <a:latin typeface="Aptos" panose="020B0004020202020204" pitchFamily="34" charset="0"/>
+                        <a:ea typeface="Aptos" panose="020B0004020202020204" pitchFamily="34" charset="0"/>
+                        <a:cs typeface="Times New Roman" panose="02020603050405020304" pitchFamily="18" charset="0"/>
+                      </a:endParaRPr>
+                    </a:p>
+                  </a:txBody>
+                  <a:tcPr marL="104566" marR="104566" marT="0" marB="0"/>
+                </a:tc>
+                <a:tc>
+                  <a:txBody>
+                    <a:bodyPr/>
+                    <a:lstStyle/>
+                    <a:p>
+                      <a:pPr marL="0" marR="0">
+                        <a:lnSpc>
+                          <a:spcPct val="115000"/>
+                        </a:lnSpc>
+                        <a:spcAft>
+                          <a:spcPts val="800"/>
+                        </a:spcAft>
+                        <a:buNone/>
+                      </a:pPr>
+                      <a:r>
+                        <a:rPr lang="en-US" sz="1900" kern="100">
+                          <a:effectLst/>
+                        </a:rPr>
+                        <a:t>.80</a:t>
+                      </a:r>
+                      <a:endParaRPr lang="en-US" sz="1900" kern="100">
+                        <a:effectLst/>
+                        <a:latin typeface="Aptos" panose="020B0004020202020204" pitchFamily="34" charset="0"/>
+                        <a:ea typeface="Aptos" panose="020B0004020202020204" pitchFamily="34" charset="0"/>
+                        <a:cs typeface="Times New Roman" panose="02020603050405020304" pitchFamily="18" charset="0"/>
+                      </a:endParaRPr>
+                    </a:p>
+                  </a:txBody>
+                  <a:tcPr marL="104566" marR="104566" marT="0" marB="0"/>
+                </a:tc>
+                <a:tc>
+                  <a:txBody>
+                    <a:bodyPr/>
+                    <a:lstStyle/>
+                    <a:p>
+                      <a:pPr marL="0" marR="0">
+                        <a:lnSpc>
+                          <a:spcPct val="115000"/>
+                        </a:lnSpc>
+                        <a:spcAft>
+                          <a:spcPts val="800"/>
+                        </a:spcAft>
+                        <a:buNone/>
+                      </a:pPr>
+                      <a:r>
+                        <a:rPr lang="en-US" sz="1900" kern="100">
+                          <a:effectLst/>
+                        </a:rPr>
+                        <a:t>.85</a:t>
+                      </a:r>
+                      <a:endParaRPr lang="en-US" sz="1900" kern="100">
+                        <a:effectLst/>
+                        <a:latin typeface="Aptos" panose="020B0004020202020204" pitchFamily="34" charset="0"/>
+                        <a:ea typeface="Aptos" panose="020B0004020202020204" pitchFamily="34" charset="0"/>
+                        <a:cs typeface="Times New Roman" panose="02020603050405020304" pitchFamily="18" charset="0"/>
+                      </a:endParaRPr>
+                    </a:p>
+                  </a:txBody>
+                  <a:tcPr marL="104566" marR="104566" marT="0" marB="0"/>
+                </a:tc>
+                <a:tc>
+                  <a:txBody>
+                    <a:bodyPr/>
+                    <a:lstStyle/>
+                    <a:p>
+                      <a:pPr marL="0" marR="0">
+                        <a:lnSpc>
+                          <a:spcPct val="115000"/>
+                        </a:lnSpc>
+                        <a:spcAft>
+                          <a:spcPts val="800"/>
+                        </a:spcAft>
+                        <a:buNone/>
+                      </a:pPr>
+                      <a:r>
+                        <a:rPr lang="en-US" sz="1900" kern="100" dirty="0">
+                          <a:effectLst/>
+                        </a:rPr>
+                        <a:t>1.10</a:t>
+                      </a:r>
+                      <a:endParaRPr lang="en-US" sz="1900" kern="100" dirty="0">
+                        <a:effectLst/>
+                        <a:latin typeface="Aptos" panose="020B0004020202020204" pitchFamily="34" charset="0"/>
+                        <a:ea typeface="Aptos" panose="020B0004020202020204" pitchFamily="34" charset="0"/>
+                        <a:cs typeface="Times New Roman" panose="02020603050405020304" pitchFamily="18" charset="0"/>
+                      </a:endParaRPr>
+                    </a:p>
+                  </a:txBody>
+                  <a:tcPr marL="104566" marR="104566" marT="0" marB="0"/>
+                </a:tc>
+                <a:extLst>
+                  <a:ext uri="{0D108BD9-81ED-4DB2-BD59-A6C34878D82A}">
+                    <a16:rowId xmlns:a16="http://schemas.microsoft.com/office/drawing/2014/main" val="2471946525"/>
+                  </a:ext>
+                </a:extLst>
+              </a:tr>
+            </a:tbl>
+          </a:graphicData>
+        </a:graphic>
+      </p:graphicFrame>
+      <p:pic>
+        <p:nvPicPr>
+          <p:cNvPr id="8" name="Picture 7" descr="A graph of savings percent&#10;&#10;AI-generated content may be incorrect.">
+            <a:extLst>
+              <a:ext uri="{FF2B5EF4-FFF2-40B4-BE49-F238E27FC236}">
+                <a16:creationId xmlns:a16="http://schemas.microsoft.com/office/drawing/2014/main" id="{1880B9B0-C0EE-B3C2-6569-28905EC67E6E}"/>
+              </a:ext>
+            </a:extLst>
+          </p:cNvPr>
+          <p:cNvPicPr>
+            <a:picLocks noChangeAspect="1"/>
+          </p:cNvPicPr>
+          <p:nvPr/>
+        </p:nvPicPr>
+        <p:blipFill>
+          <a:blip r:embed="rId2"/>
+          <a:stretch>
+            <a:fillRect/>
+          </a:stretch>
+        </p:blipFill>
+        <p:spPr>
+          <a:xfrm>
+            <a:off x="1268179" y="2708923"/>
+            <a:ext cx="6047717" cy="3674981"/>
+          </a:xfrm>
+          <a:prstGeom prst="rect">
+            <a:avLst/>
+          </a:prstGeom>
+        </p:spPr>
+      </p:pic>
+    </p:spTree>
+    <p:extLst>
+      <p:ext uri="{BB962C8B-B14F-4D97-AF65-F5344CB8AC3E}">
+        <p14:creationId xmlns:p14="http://schemas.microsoft.com/office/powerpoint/2010/main" val="2545028109"/>
+      </p:ext>
+    </p:extLst>
+  </p:cSld>
+  <p:clrMapOvr>
+    <a:masterClrMapping/>
+  </p:clrMapOvr>
+  <mc:AlternateContent xmlns:mc="http://schemas.openxmlformats.org/markup-compatibility/2006">
+    <mc:Choice xmlns:p159="http://schemas.microsoft.com/office/powerpoint/2015/09/main" Requires="p159">
+      <p:transition xmlns:p14="http://schemas.microsoft.com/office/powerpoint/2010/main" spd="slow" p14:dur="2000">
+        <p159:morph option="byObject"/>
+      </p:transition>
+    </mc:Choice>
+    <mc:Fallback>
+      <p:transition spd="slow">
+        <p:fade/>
+      </p:transition>
+    </mc:Fallback>
+  </mc:AlternateContent>
 </p:sld>
 </file>
 
